--- a/��Ŀ����ʵս/Lesson 2 �Ŷ�ģ��.pptx
+++ b/��Ŀ����ʵս/Lesson 2 �Ŷ�ģ��.pptx
@@ -5,12 +5,12 @@
     <p:sldMasterId id="2147483660" r:id="rId1"/>
   </p:sldMasterIdLst>
   <p:notesMasterIdLst>
-    <p:notesMasterId r:id="rId42"/>
+    <p:notesMasterId r:id="rId41"/>
   </p:notesMasterIdLst>
   <p:sldIdLst>
     <p:sldId id="256" r:id="rId2"/>
-    <p:sldId id="258" r:id="rId3"/>
-    <p:sldId id="270" r:id="rId4"/>
+    <p:sldId id="299" r:id="rId3"/>
+    <p:sldId id="258" r:id="rId4"/>
     <p:sldId id="290" r:id="rId5"/>
     <p:sldId id="261" r:id="rId6"/>
     <p:sldId id="262" r:id="rId7"/>
@@ -41,13 +41,12 @@
     <p:sldId id="265" r:id="rId32"/>
     <p:sldId id="297" r:id="rId33"/>
     <p:sldId id="266" r:id="rId34"/>
-    <p:sldId id="293" r:id="rId35"/>
-    <p:sldId id="295" r:id="rId36"/>
-    <p:sldId id="267" r:id="rId37"/>
-    <p:sldId id="268" r:id="rId38"/>
-    <p:sldId id="294" r:id="rId39"/>
-    <p:sldId id="269" r:id="rId40"/>
-    <p:sldId id="296" r:id="rId41"/>
+    <p:sldId id="295" r:id="rId35"/>
+    <p:sldId id="267" r:id="rId36"/>
+    <p:sldId id="268" r:id="rId37"/>
+    <p:sldId id="294" r:id="rId38"/>
+    <p:sldId id="269" r:id="rId39"/>
+    <p:sldId id="296" r:id="rId40"/>
   </p:sldIdLst>
   <p:sldSz cx="9144000" cy="6858000" type="screen4x3"/>
   <p:notesSz cx="6858000" cy="9144000"/>
@@ -3472,25 +3471,25 @@
     </dgm:pt>
   </dgm:ptLst>
   <dgm:cxnLst>
+    <dgm:cxn modelId="{0E08A71E-969E-493B-8470-EBEEE614B2AA}" type="presOf" srcId="{AF16816E-B19E-4346-84B6-0D2B0167E2AA}" destId="{C226AB8F-5149-43C6-852A-F9BC0A82B738}" srcOrd="0" destOrd="0" presId="urn:microsoft.com/office/officeart/2005/8/layout/hList2"/>
     <dgm:cxn modelId="{3210BD4A-9ED5-401F-B624-9AA1374812EF}" type="presOf" srcId="{82AFE827-254A-4735-BAD2-CE102374776F}" destId="{1748A59B-B006-4EB3-B952-491AE01A0CF9}" srcOrd="0" destOrd="1" presId="urn:microsoft.com/office/officeart/2005/8/layout/hList2"/>
-    <dgm:cxn modelId="{3F0E5206-AB9B-4645-9D29-7AF618016845}" type="presOf" srcId="{9CBF1857-D51A-43F0-BABE-DC856AB47137}" destId="{C2E6F3B6-00A4-4320-9241-322F601DBCD6}" srcOrd="0" destOrd="0" presId="urn:microsoft.com/office/officeart/2005/8/layout/hList2"/>
-    <dgm:cxn modelId="{58C1B8C7-20C5-40EA-BEF8-6F4BFF22D3D5}" srcId="{866BDD9A-EEEE-4B2E-8B87-A7093E39D7A8}" destId="{1051BF07-767E-41CB-9D63-BF721766C862}" srcOrd="1" destOrd="0" parTransId="{99FA131E-2F38-4D31-A7BF-3BDDD740DCAD}" sibTransId="{9EBE1633-DB2F-4035-8538-1E74FA9A5B66}"/>
+    <dgm:cxn modelId="{EACDA1DB-196D-4788-9DE5-3C7A917E644C}" type="presOf" srcId="{0E06F8B0-322D-4246-97C3-87AA72A7951E}" destId="{30ED5A77-C8FA-4B60-BB36-1229482521E8}" srcOrd="0" destOrd="0" presId="urn:microsoft.com/office/officeart/2005/8/layout/hList2"/>
+    <dgm:cxn modelId="{0A0A11A6-2098-4ACC-B4A0-5C126E933735}" srcId="{866BDD9A-EEEE-4B2E-8B87-A7093E39D7A8}" destId="{AF16816E-B19E-4346-84B6-0D2B0167E2AA}" srcOrd="0" destOrd="0" parTransId="{CF13BD5F-824F-4477-94DA-9416D84E6EBE}" sibTransId="{7E3523F8-0C3D-40D2-AD19-2CBC74BBC995}"/>
     <dgm:cxn modelId="{A7DB46B2-0A43-4E61-84F7-F4DCEAF0336F}" type="presOf" srcId="{866BDD9A-EEEE-4B2E-8B87-A7093E39D7A8}" destId="{FDA08672-CFD5-4FC4-A072-56613A7084EC}" srcOrd="0" destOrd="0" presId="urn:microsoft.com/office/officeart/2005/8/layout/hList2"/>
-    <dgm:cxn modelId="{64D0D6A4-DD49-4115-91F8-25F10B967B1E}" srcId="{1F631491-23FA-4219-8E5A-0F93B19C1A76}" destId="{82AFE827-254A-4735-BAD2-CE102374776F}" srcOrd="1" destOrd="0" parTransId="{08526527-1ED6-40A4-9895-3EABDCB981A9}" sibTransId="{96BEF868-CA1E-46A3-8ED6-D84EEA1EE447}"/>
-    <dgm:cxn modelId="{84FECF2F-FA2F-4BE0-ADB8-ABA0EBB886AB}" type="presOf" srcId="{A881BAED-24C7-4A15-8378-59780C4A9506}" destId="{E2936193-A191-45A6-AF81-B82B5D0A2F66}" srcOrd="0" destOrd="0" presId="urn:microsoft.com/office/officeart/2005/8/layout/hList2"/>
-    <dgm:cxn modelId="{8D822B83-871D-4C51-85F1-0B8BCBE84696}" srcId="{1F631491-23FA-4219-8E5A-0F93B19C1A76}" destId="{279D6C3A-ACFE-431B-AEC7-631F4D04DA30}" srcOrd="0" destOrd="0" parTransId="{61DD8880-1CC9-4162-A4DC-8ABD15E68BA3}" sibTransId="{684414A1-07D1-4542-A945-965EC70EAD9B}"/>
-    <dgm:cxn modelId="{49695161-E837-4149-9CEF-355161ED543B}" srcId="{A881BAED-24C7-4A15-8378-59780C4A9506}" destId="{1F631491-23FA-4219-8E5A-0F93B19C1A76}" srcOrd="0" destOrd="0" parTransId="{10BE6FA6-C811-4D36-B8C0-FAFAD57C21BD}" sibTransId="{39FD6C03-BD96-44EE-A4DE-C09B89F00365}"/>
-    <dgm:cxn modelId="{EACDA1DB-196D-4788-9DE5-3C7A917E644C}" type="presOf" srcId="{0E06F8B0-322D-4246-97C3-87AA72A7951E}" destId="{30ED5A77-C8FA-4B60-BB36-1229482521E8}" srcOrd="0" destOrd="0" presId="urn:microsoft.com/office/officeart/2005/8/layout/hList2"/>
-    <dgm:cxn modelId="{A6B28335-4AC9-4C3A-AABF-E0D8EBD91799}" type="presOf" srcId="{D2318636-313D-4EE9-A167-2E6D33A8B5CB}" destId="{1748A59B-B006-4EB3-B952-491AE01A0CF9}" srcOrd="0" destOrd="2" presId="urn:microsoft.com/office/officeart/2005/8/layout/hList2"/>
-    <dgm:cxn modelId="{F7507B89-A954-426E-A071-8BD284851781}" type="presOf" srcId="{1F631491-23FA-4219-8E5A-0F93B19C1A76}" destId="{2A930557-9291-40FB-8C55-0DB6B70B4FED}" srcOrd="0" destOrd="0" presId="urn:microsoft.com/office/officeart/2005/8/layout/hList2"/>
+    <dgm:cxn modelId="{59E176E4-9AC6-422B-9C89-FECB13671133}" srcId="{1F631491-23FA-4219-8E5A-0F93B19C1A76}" destId="{D2318636-313D-4EE9-A167-2E6D33A8B5CB}" srcOrd="2" destOrd="0" parTransId="{72E73DCE-0DA6-4C9B-B449-8265690A062E}" sibTransId="{537B554D-5E7A-4D2E-97DD-83BCFBA1C27F}"/>
     <dgm:cxn modelId="{74803797-6E3A-437C-8D0D-EAA987E47BE2}" srcId="{A881BAED-24C7-4A15-8378-59780C4A9506}" destId="{866BDD9A-EEEE-4B2E-8B87-A7093E39D7A8}" srcOrd="1" destOrd="0" parTransId="{AE6A9644-009A-4DAF-A315-EEBE8D1B5AFF}" sibTransId="{5B3DF3E6-CEBB-4E4A-BC12-D5E9AC15B205}"/>
     <dgm:cxn modelId="{15068322-38A7-4DD4-AEB4-AB10FD23A880}" type="presOf" srcId="{1051BF07-767E-41CB-9D63-BF721766C862}" destId="{C226AB8F-5149-43C6-852A-F9BC0A82B738}" srcOrd="0" destOrd="1" presId="urn:microsoft.com/office/officeart/2005/8/layout/hList2"/>
-    <dgm:cxn modelId="{0E08A71E-969E-493B-8470-EBEEE614B2AA}" type="presOf" srcId="{AF16816E-B19E-4346-84B6-0D2B0167E2AA}" destId="{C226AB8F-5149-43C6-852A-F9BC0A82B738}" srcOrd="0" destOrd="0" presId="urn:microsoft.com/office/officeart/2005/8/layout/hList2"/>
-    <dgm:cxn modelId="{F04514D4-6BCF-475C-AD18-D962B2424FD6}" type="presOf" srcId="{279D6C3A-ACFE-431B-AEC7-631F4D04DA30}" destId="{1748A59B-B006-4EB3-B952-491AE01A0CF9}" srcOrd="0" destOrd="0" presId="urn:microsoft.com/office/officeart/2005/8/layout/hList2"/>
     <dgm:cxn modelId="{2C33F560-735B-448F-B212-6C04C62CB869}" srcId="{0E06F8B0-322D-4246-97C3-87AA72A7951E}" destId="{9CBF1857-D51A-43F0-BABE-DC856AB47137}" srcOrd="0" destOrd="0" parTransId="{E6F069A8-6698-45B5-9139-7C5C9C90AEC1}" sibTransId="{DAC30C6D-5F22-4922-BC06-F97B67B69B22}"/>
     <dgm:cxn modelId="{9ECF81C7-028C-484F-BBB3-9E8726284AAA}" srcId="{A881BAED-24C7-4A15-8378-59780C4A9506}" destId="{0E06F8B0-322D-4246-97C3-87AA72A7951E}" srcOrd="2" destOrd="0" parTransId="{48A38582-A87D-4B18-9B02-7F6C72E01939}" sibTransId="{FDFE0100-44E3-4715-841D-15F192CDC479}"/>
-    <dgm:cxn modelId="{59E176E4-9AC6-422B-9C89-FECB13671133}" srcId="{1F631491-23FA-4219-8E5A-0F93B19C1A76}" destId="{D2318636-313D-4EE9-A167-2E6D33A8B5CB}" srcOrd="2" destOrd="0" parTransId="{72E73DCE-0DA6-4C9B-B449-8265690A062E}" sibTransId="{537B554D-5E7A-4D2E-97DD-83BCFBA1C27F}"/>
-    <dgm:cxn modelId="{0A0A11A6-2098-4ACC-B4A0-5C126E933735}" srcId="{866BDD9A-EEEE-4B2E-8B87-A7093E39D7A8}" destId="{AF16816E-B19E-4346-84B6-0D2B0167E2AA}" srcOrd="0" destOrd="0" parTransId="{CF13BD5F-824F-4477-94DA-9416D84E6EBE}" sibTransId="{7E3523F8-0C3D-40D2-AD19-2CBC74BBC995}"/>
+    <dgm:cxn modelId="{84FECF2F-FA2F-4BE0-ADB8-ABA0EBB886AB}" type="presOf" srcId="{A881BAED-24C7-4A15-8378-59780C4A9506}" destId="{E2936193-A191-45A6-AF81-B82B5D0A2F66}" srcOrd="0" destOrd="0" presId="urn:microsoft.com/office/officeart/2005/8/layout/hList2"/>
+    <dgm:cxn modelId="{64D0D6A4-DD49-4115-91F8-25F10B967B1E}" srcId="{1F631491-23FA-4219-8E5A-0F93B19C1A76}" destId="{82AFE827-254A-4735-BAD2-CE102374776F}" srcOrd="1" destOrd="0" parTransId="{08526527-1ED6-40A4-9895-3EABDCB981A9}" sibTransId="{96BEF868-CA1E-46A3-8ED6-D84EEA1EE447}"/>
+    <dgm:cxn modelId="{58C1B8C7-20C5-40EA-BEF8-6F4BFF22D3D5}" srcId="{866BDD9A-EEEE-4B2E-8B87-A7093E39D7A8}" destId="{1051BF07-767E-41CB-9D63-BF721766C862}" srcOrd="1" destOrd="0" parTransId="{99FA131E-2F38-4D31-A7BF-3BDDD740DCAD}" sibTransId="{9EBE1633-DB2F-4035-8538-1E74FA9A5B66}"/>
+    <dgm:cxn modelId="{49695161-E837-4149-9CEF-355161ED543B}" srcId="{A881BAED-24C7-4A15-8378-59780C4A9506}" destId="{1F631491-23FA-4219-8E5A-0F93B19C1A76}" srcOrd="0" destOrd="0" parTransId="{10BE6FA6-C811-4D36-B8C0-FAFAD57C21BD}" sibTransId="{39FD6C03-BD96-44EE-A4DE-C09B89F00365}"/>
+    <dgm:cxn modelId="{F04514D4-6BCF-475C-AD18-D962B2424FD6}" type="presOf" srcId="{279D6C3A-ACFE-431B-AEC7-631F4D04DA30}" destId="{1748A59B-B006-4EB3-B952-491AE01A0CF9}" srcOrd="0" destOrd="0" presId="urn:microsoft.com/office/officeart/2005/8/layout/hList2"/>
+    <dgm:cxn modelId="{A6B28335-4AC9-4C3A-AABF-E0D8EBD91799}" type="presOf" srcId="{D2318636-313D-4EE9-A167-2E6D33A8B5CB}" destId="{1748A59B-B006-4EB3-B952-491AE01A0CF9}" srcOrd="0" destOrd="2" presId="urn:microsoft.com/office/officeart/2005/8/layout/hList2"/>
+    <dgm:cxn modelId="{8D822B83-871D-4C51-85F1-0B8BCBE84696}" srcId="{1F631491-23FA-4219-8E5A-0F93B19C1A76}" destId="{279D6C3A-ACFE-431B-AEC7-631F4D04DA30}" srcOrd="0" destOrd="0" parTransId="{61DD8880-1CC9-4162-A4DC-8ABD15E68BA3}" sibTransId="{684414A1-07D1-4542-A945-965EC70EAD9B}"/>
+    <dgm:cxn modelId="{3F0E5206-AB9B-4645-9D29-7AF618016845}" type="presOf" srcId="{9CBF1857-D51A-43F0-BABE-DC856AB47137}" destId="{C2E6F3B6-00A4-4320-9241-322F601DBCD6}" srcOrd="0" destOrd="0" presId="urn:microsoft.com/office/officeart/2005/8/layout/hList2"/>
+    <dgm:cxn modelId="{F7507B89-A954-426E-A071-8BD284851781}" type="presOf" srcId="{1F631491-23FA-4219-8E5A-0F93B19C1A76}" destId="{2A930557-9291-40FB-8C55-0DB6B70B4FED}" srcOrd="0" destOrd="0" presId="urn:microsoft.com/office/officeart/2005/8/layout/hList2"/>
     <dgm:cxn modelId="{B27BC62A-0913-4885-903E-E25053215B00}" type="presParOf" srcId="{E2936193-A191-45A6-AF81-B82B5D0A2F66}" destId="{88372D97-C81D-4509-AD00-3A233A1F8F95}" srcOrd="0" destOrd="0" presId="urn:microsoft.com/office/officeart/2005/8/layout/hList2"/>
     <dgm:cxn modelId="{1B2566CA-1A35-4639-9958-6FE14C3B000C}" type="presParOf" srcId="{88372D97-C81D-4509-AD00-3A233A1F8F95}" destId="{21810179-FB52-4236-9E68-970B2899D72D}" srcOrd="0" destOrd="0" presId="urn:microsoft.com/office/officeart/2005/8/layout/hList2"/>
     <dgm:cxn modelId="{2A527529-FA39-4FF7-B6CF-54657AADE422}" type="presParOf" srcId="{88372D97-C81D-4509-AD00-3A233A1F8F95}" destId="{1748A59B-B006-4EB3-B952-491AE01A0CF9}" srcOrd="1" destOrd="0" presId="urn:microsoft.com/office/officeart/2005/8/layout/hList2"/>
@@ -5372,6 +5371,697 @@
       <dsp:cNvGrpSpPr/>
     </dsp:nvGrpSpPr>
     <dsp:grpSpPr/>
+    <dsp:sp modelId="{4E8ED081-A338-434E-B5F2-94EDEAEE90B9}">
+      <dsp:nvSpPr>
+        <dsp:cNvPr id="0" name=""/>
+        <dsp:cNvSpPr/>
+      </dsp:nvSpPr>
+      <dsp:spPr>
+        <a:xfrm>
+          <a:off x="3867444" y="1179330"/>
+          <a:ext cx="247355" cy="1083651"/>
+        </a:xfrm>
+        <a:custGeom>
+          <a:avLst/>
+          <a:gdLst/>
+          <a:ahLst/>
+          <a:cxnLst/>
+          <a:rect l="0" t="0" r="0" b="0"/>
+          <a:pathLst>
+            <a:path>
+              <a:moveTo>
+                <a:pt x="247355" y="0"/>
+              </a:moveTo>
+              <a:lnTo>
+                <a:pt x="247355" y="1083651"/>
+              </a:lnTo>
+              <a:lnTo>
+                <a:pt x="0" y="1083651"/>
+              </a:lnTo>
+            </a:path>
+          </a:pathLst>
+        </a:custGeom>
+        <a:noFill/>
+        <a:ln w="25400" cap="flat" cmpd="sng" algn="ctr">
+          <a:solidFill>
+            <a:schemeClr val="accent2">
+              <a:hueOff val="0"/>
+              <a:satOff val="0"/>
+              <a:lumOff val="0"/>
+              <a:alphaOff val="0"/>
+            </a:schemeClr>
+          </a:solidFill>
+          <a:prstDash val="solid"/>
+        </a:ln>
+        <a:effectLst/>
+      </dsp:spPr>
+      <dsp:style>
+        <a:lnRef idx="2">
+          <a:scrgbClr r="0" g="0" b="0"/>
+        </a:lnRef>
+        <a:fillRef idx="0">
+          <a:scrgbClr r="0" g="0" b="0"/>
+        </a:fillRef>
+        <a:effectRef idx="0">
+          <a:scrgbClr r="0" g="0" b="0"/>
+        </a:effectRef>
+        <a:fontRef idx="minor"/>
+      </dsp:style>
+    </dsp:sp>
+    <dsp:sp modelId="{B59D443B-C6FE-4362-B477-69A9390CF4C0}">
+      <dsp:nvSpPr>
+        <dsp:cNvPr id="0" name=""/>
+        <dsp:cNvSpPr/>
+      </dsp:nvSpPr>
+      <dsp:spPr>
+        <a:xfrm>
+          <a:off x="4114800" y="1179330"/>
+          <a:ext cx="1425236" cy="2167302"/>
+        </a:xfrm>
+        <a:custGeom>
+          <a:avLst/>
+          <a:gdLst/>
+          <a:ahLst/>
+          <a:cxnLst/>
+          <a:rect l="0" t="0" r="0" b="0"/>
+          <a:pathLst>
+            <a:path>
+              <a:moveTo>
+                <a:pt x="0" y="0"/>
+              </a:moveTo>
+              <a:lnTo>
+                <a:pt x="0" y="1919946"/>
+              </a:lnTo>
+              <a:lnTo>
+                <a:pt x="1425236" y="1919946"/>
+              </a:lnTo>
+              <a:lnTo>
+                <a:pt x="1425236" y="2167302"/>
+              </a:lnTo>
+            </a:path>
+          </a:pathLst>
+        </a:custGeom>
+        <a:noFill/>
+        <a:ln w="25400" cap="flat" cmpd="sng" algn="ctr">
+          <a:solidFill>
+            <a:schemeClr val="accent2">
+              <a:hueOff val="0"/>
+              <a:satOff val="0"/>
+              <a:lumOff val="0"/>
+              <a:alphaOff val="0"/>
+            </a:schemeClr>
+          </a:solidFill>
+          <a:prstDash val="solid"/>
+        </a:ln>
+        <a:effectLst/>
+      </dsp:spPr>
+      <dsp:style>
+        <a:lnRef idx="2">
+          <a:scrgbClr r="0" g="0" b="0"/>
+        </a:lnRef>
+        <a:fillRef idx="0">
+          <a:scrgbClr r="0" g="0" b="0"/>
+        </a:fillRef>
+        <a:effectRef idx="0">
+          <a:scrgbClr r="0" g="0" b="0"/>
+        </a:effectRef>
+        <a:fontRef idx="minor"/>
+      </dsp:style>
+    </dsp:sp>
+    <dsp:sp modelId="{AE0BAC9C-65FC-4AFA-B3E9-859A8A394206}">
+      <dsp:nvSpPr>
+        <dsp:cNvPr id="0" name=""/>
+        <dsp:cNvSpPr/>
+      </dsp:nvSpPr>
+      <dsp:spPr>
+        <a:xfrm>
+          <a:off x="2689563" y="1179330"/>
+          <a:ext cx="1425236" cy="2167302"/>
+        </a:xfrm>
+        <a:custGeom>
+          <a:avLst/>
+          <a:gdLst/>
+          <a:ahLst/>
+          <a:cxnLst/>
+          <a:rect l="0" t="0" r="0" b="0"/>
+          <a:pathLst>
+            <a:path>
+              <a:moveTo>
+                <a:pt x="1425236" y="0"/>
+              </a:moveTo>
+              <a:lnTo>
+                <a:pt x="1425236" y="1919946"/>
+              </a:lnTo>
+              <a:lnTo>
+                <a:pt x="0" y="1919946"/>
+              </a:lnTo>
+              <a:lnTo>
+                <a:pt x="0" y="2167302"/>
+              </a:lnTo>
+            </a:path>
+          </a:pathLst>
+        </a:custGeom>
+        <a:noFill/>
+        <a:ln w="25400" cap="flat" cmpd="sng" algn="ctr">
+          <a:solidFill>
+            <a:schemeClr val="accent2">
+              <a:hueOff val="0"/>
+              <a:satOff val="0"/>
+              <a:lumOff val="0"/>
+              <a:alphaOff val="0"/>
+            </a:schemeClr>
+          </a:solidFill>
+          <a:prstDash val="solid"/>
+        </a:ln>
+        <a:effectLst/>
+      </dsp:spPr>
+      <dsp:style>
+        <a:lnRef idx="2">
+          <a:scrgbClr r="0" g="0" b="0"/>
+        </a:lnRef>
+        <a:fillRef idx="0">
+          <a:scrgbClr r="0" g="0" b="0"/>
+        </a:fillRef>
+        <a:effectRef idx="0">
+          <a:scrgbClr r="0" g="0" b="0"/>
+        </a:effectRef>
+        <a:fontRef idx="minor"/>
+      </dsp:style>
+    </dsp:sp>
+    <dsp:sp modelId="{B0ADD3D7-4F69-4ED8-A031-FE3E33E2BEF3}">
+      <dsp:nvSpPr>
+        <dsp:cNvPr id="0" name=""/>
+        <dsp:cNvSpPr/>
+      </dsp:nvSpPr>
+      <dsp:spPr>
+        <a:xfrm>
+          <a:off x="2936918" y="1448"/>
+          <a:ext cx="2355763" cy="1177881"/>
+        </a:xfrm>
+        <a:prstGeom prst="rect">
+          <a:avLst/>
+        </a:prstGeom>
+        <a:gradFill rotWithShape="0">
+          <a:gsLst>
+            <a:gs pos="0">
+              <a:schemeClr val="accent1">
+                <a:hueOff val="0"/>
+                <a:satOff val="0"/>
+                <a:lumOff val="0"/>
+                <a:alphaOff val="0"/>
+                <a:shade val="51000"/>
+                <a:satMod val="130000"/>
+              </a:schemeClr>
+            </a:gs>
+            <a:gs pos="80000">
+              <a:schemeClr val="accent1">
+                <a:hueOff val="0"/>
+                <a:satOff val="0"/>
+                <a:lumOff val="0"/>
+                <a:alphaOff val="0"/>
+                <a:shade val="93000"/>
+                <a:satMod val="130000"/>
+              </a:schemeClr>
+            </a:gs>
+            <a:gs pos="100000">
+              <a:schemeClr val="accent1">
+                <a:hueOff val="0"/>
+                <a:satOff val="0"/>
+                <a:lumOff val="0"/>
+                <a:alphaOff val="0"/>
+                <a:shade val="94000"/>
+                <a:satMod val="135000"/>
+              </a:schemeClr>
+            </a:gs>
+          </a:gsLst>
+          <a:lin ang="16200000" scaled="0"/>
+        </a:gradFill>
+        <a:ln>
+          <a:noFill/>
+        </a:ln>
+        <a:effectLst>
+          <a:outerShdw blurRad="40000" dist="23000" dir="5400000" rotWithShape="0">
+            <a:srgbClr val="000000">
+              <a:alpha val="35000"/>
+            </a:srgbClr>
+          </a:outerShdw>
+        </a:effectLst>
+        <a:scene3d>
+          <a:camera prst="orthographicFront">
+            <a:rot lat="0" lon="0" rev="0"/>
+          </a:camera>
+          <a:lightRig rig="threePt" dir="t">
+            <a:rot lat="0" lon="0" rev="1200000"/>
+          </a:lightRig>
+        </a:scene3d>
+        <a:sp3d>
+          <a:bevelT w="63500" h="25400"/>
+        </a:sp3d>
+      </dsp:spPr>
+      <dsp:style>
+        <a:lnRef idx="0">
+          <a:scrgbClr r="0" g="0" b="0"/>
+        </a:lnRef>
+        <a:fillRef idx="3">
+          <a:scrgbClr r="0" g="0" b="0"/>
+        </a:fillRef>
+        <a:effectRef idx="3">
+          <a:scrgbClr r="0" g="0" b="0"/>
+        </a:effectRef>
+        <a:fontRef idx="minor">
+          <a:schemeClr val="lt1"/>
+        </a:fontRef>
+      </dsp:style>
+      <dsp:txBody>
+        <a:bodyPr spcFirstLastPara="0" vert="horz" wrap="square" lIns="12700" tIns="12700" rIns="12700" bIns="12700" numCol="1" spcCol="1270" anchor="ctr" anchorCtr="0">
+          <a:noAutofit/>
+        </a:bodyPr>
+        <a:lstStyle/>
+        <a:p>
+          <a:pPr lvl="0" algn="ctr" defTabSz="889000">
+            <a:lnSpc>
+              <a:spcPct val="90000"/>
+            </a:lnSpc>
+            <a:spcBef>
+              <a:spcPct val="0"/>
+            </a:spcBef>
+            <a:spcAft>
+              <a:spcPct val="35000"/>
+            </a:spcAft>
+          </a:pPr>
+          <a:r>
+            <a:rPr lang="zh-CN" altLang="en-US" sz="2000" kern="1200" dirty="0">
+              <a:latin typeface="微软雅黑" pitchFamily="34" charset="-122"/>
+              <a:ea typeface="微软雅黑" pitchFamily="34" charset="-122"/>
+            </a:rPr>
+            <a:t>项目领导团队</a:t>
+          </a:r>
+        </a:p>
+      </dsp:txBody>
+      <dsp:txXfrm>
+        <a:off x="2936918" y="1448"/>
+        <a:ext cx="2355763" cy="1177881"/>
+      </dsp:txXfrm>
+    </dsp:sp>
+    <dsp:sp modelId="{501ACDAD-B9A9-4862-8475-91FA7D4D8F0E}">
+      <dsp:nvSpPr>
+        <dsp:cNvPr id="0" name=""/>
+        <dsp:cNvSpPr/>
+      </dsp:nvSpPr>
+      <dsp:spPr>
+        <a:xfrm>
+          <a:off x="1511681" y="3346632"/>
+          <a:ext cx="2355763" cy="1177881"/>
+        </a:xfrm>
+        <a:prstGeom prst="rect">
+          <a:avLst/>
+        </a:prstGeom>
+        <a:gradFill rotWithShape="0">
+          <a:gsLst>
+            <a:gs pos="0">
+              <a:schemeClr val="accent2">
+                <a:hueOff val="0"/>
+                <a:satOff val="0"/>
+                <a:lumOff val="0"/>
+                <a:alphaOff val="0"/>
+                <a:shade val="51000"/>
+                <a:satMod val="130000"/>
+              </a:schemeClr>
+            </a:gs>
+            <a:gs pos="80000">
+              <a:schemeClr val="accent2">
+                <a:hueOff val="0"/>
+                <a:satOff val="0"/>
+                <a:lumOff val="0"/>
+                <a:alphaOff val="0"/>
+                <a:shade val="93000"/>
+                <a:satMod val="130000"/>
+              </a:schemeClr>
+            </a:gs>
+            <a:gs pos="100000">
+              <a:schemeClr val="accent2">
+                <a:hueOff val="0"/>
+                <a:satOff val="0"/>
+                <a:lumOff val="0"/>
+                <a:alphaOff val="0"/>
+                <a:shade val="94000"/>
+                <a:satMod val="135000"/>
+              </a:schemeClr>
+            </a:gs>
+          </a:gsLst>
+          <a:lin ang="16200000" scaled="0"/>
+        </a:gradFill>
+        <a:ln>
+          <a:noFill/>
+        </a:ln>
+        <a:effectLst>
+          <a:outerShdw blurRad="40000" dist="23000" dir="5400000" rotWithShape="0">
+            <a:srgbClr val="000000">
+              <a:alpha val="35000"/>
+            </a:srgbClr>
+          </a:outerShdw>
+        </a:effectLst>
+        <a:scene3d>
+          <a:camera prst="orthographicFront">
+            <a:rot lat="0" lon="0" rev="0"/>
+          </a:camera>
+          <a:lightRig rig="threePt" dir="t">
+            <a:rot lat="0" lon="0" rev="1200000"/>
+          </a:lightRig>
+        </a:scene3d>
+        <a:sp3d>
+          <a:bevelT w="63500" h="25400"/>
+        </a:sp3d>
+      </dsp:spPr>
+      <dsp:style>
+        <a:lnRef idx="0">
+          <a:scrgbClr r="0" g="0" b="0"/>
+        </a:lnRef>
+        <a:fillRef idx="3">
+          <a:scrgbClr r="0" g="0" b="0"/>
+        </a:fillRef>
+        <a:effectRef idx="3">
+          <a:scrgbClr r="0" g="0" b="0"/>
+        </a:effectRef>
+        <a:fontRef idx="minor">
+          <a:schemeClr val="lt1"/>
+        </a:fontRef>
+      </dsp:style>
+      <dsp:txBody>
+        <a:bodyPr spcFirstLastPara="0" vert="horz" wrap="square" lIns="12700" tIns="12700" rIns="12700" bIns="12700" numCol="1" spcCol="1270" anchor="ctr" anchorCtr="0">
+          <a:noAutofit/>
+        </a:bodyPr>
+        <a:lstStyle/>
+        <a:p>
+          <a:pPr lvl="0" algn="ctr" defTabSz="889000">
+            <a:lnSpc>
+              <a:spcPct val="90000"/>
+            </a:lnSpc>
+            <a:spcBef>
+              <a:spcPct val="0"/>
+            </a:spcBef>
+            <a:spcAft>
+              <a:spcPct val="35000"/>
+            </a:spcAft>
+          </a:pPr>
+          <a:r>
+            <a:rPr lang="zh-CN" altLang="en-US" sz="2000" kern="1200" dirty="0">
+              <a:latin typeface="微软雅黑" pitchFamily="34" charset="-122"/>
+              <a:ea typeface="微软雅黑" pitchFamily="34" charset="-122"/>
+            </a:rPr>
+            <a:t>项目执行团队</a:t>
+          </a:r>
+          <a:r>
+            <a:rPr lang="en-US" altLang="zh-CN" sz="2000" kern="1200" dirty="0">
+              <a:latin typeface="微软雅黑" pitchFamily="34" charset="-122"/>
+              <a:ea typeface="微软雅黑" pitchFamily="34" charset="-122"/>
+            </a:rPr>
+            <a:t>(</a:t>
+          </a:r>
+          <a:r>
+            <a:rPr lang="zh-CN" altLang="en-US" sz="2000" kern="1200" dirty="0">
+              <a:latin typeface="微软雅黑" pitchFamily="34" charset="-122"/>
+              <a:ea typeface="微软雅黑" pitchFamily="34" charset="-122"/>
+            </a:rPr>
+            <a:t>内部</a:t>
+          </a:r>
+          <a:r>
+            <a:rPr lang="en-US" altLang="zh-CN" sz="2000" kern="1200" dirty="0">
+              <a:latin typeface="微软雅黑" pitchFamily="34" charset="-122"/>
+              <a:ea typeface="微软雅黑" pitchFamily="34" charset="-122"/>
+            </a:rPr>
+            <a:t>)</a:t>
+          </a:r>
+          <a:endParaRPr lang="zh-CN" altLang="en-US" sz="2000" kern="1200" dirty="0">
+            <a:latin typeface="微软雅黑" pitchFamily="34" charset="-122"/>
+            <a:ea typeface="微软雅黑" pitchFamily="34" charset="-122"/>
+          </a:endParaRPr>
+        </a:p>
+      </dsp:txBody>
+      <dsp:txXfrm>
+        <a:off x="1511681" y="3346632"/>
+        <a:ext cx="2355763" cy="1177881"/>
+      </dsp:txXfrm>
+    </dsp:sp>
+    <dsp:sp modelId="{617C7A07-836B-4B24-8C49-14CD11B5F951}">
+      <dsp:nvSpPr>
+        <dsp:cNvPr id="0" name=""/>
+        <dsp:cNvSpPr/>
+      </dsp:nvSpPr>
+      <dsp:spPr>
+        <a:xfrm>
+          <a:off x="4362155" y="3346632"/>
+          <a:ext cx="2355763" cy="1177881"/>
+        </a:xfrm>
+        <a:prstGeom prst="rect">
+          <a:avLst/>
+        </a:prstGeom>
+        <a:gradFill rotWithShape="0">
+          <a:gsLst>
+            <a:gs pos="0">
+              <a:schemeClr val="accent2">
+                <a:hueOff val="0"/>
+                <a:satOff val="0"/>
+                <a:lumOff val="0"/>
+                <a:alphaOff val="0"/>
+                <a:shade val="51000"/>
+                <a:satMod val="130000"/>
+              </a:schemeClr>
+            </a:gs>
+            <a:gs pos="80000">
+              <a:schemeClr val="accent2">
+                <a:hueOff val="0"/>
+                <a:satOff val="0"/>
+                <a:lumOff val="0"/>
+                <a:alphaOff val="0"/>
+                <a:shade val="93000"/>
+                <a:satMod val="130000"/>
+              </a:schemeClr>
+            </a:gs>
+            <a:gs pos="100000">
+              <a:schemeClr val="accent2">
+                <a:hueOff val="0"/>
+                <a:satOff val="0"/>
+                <a:lumOff val="0"/>
+                <a:alphaOff val="0"/>
+                <a:shade val="94000"/>
+                <a:satMod val="135000"/>
+              </a:schemeClr>
+            </a:gs>
+          </a:gsLst>
+          <a:lin ang="16200000" scaled="0"/>
+        </a:gradFill>
+        <a:ln>
+          <a:noFill/>
+        </a:ln>
+        <a:effectLst>
+          <a:outerShdw blurRad="40000" dist="23000" dir="5400000" rotWithShape="0">
+            <a:srgbClr val="000000">
+              <a:alpha val="35000"/>
+            </a:srgbClr>
+          </a:outerShdw>
+        </a:effectLst>
+        <a:scene3d>
+          <a:camera prst="orthographicFront">
+            <a:rot lat="0" lon="0" rev="0"/>
+          </a:camera>
+          <a:lightRig rig="threePt" dir="t">
+            <a:rot lat="0" lon="0" rev="1200000"/>
+          </a:lightRig>
+        </a:scene3d>
+        <a:sp3d>
+          <a:bevelT w="63500" h="25400"/>
+        </a:sp3d>
+      </dsp:spPr>
+      <dsp:style>
+        <a:lnRef idx="0">
+          <a:scrgbClr r="0" g="0" b="0"/>
+        </a:lnRef>
+        <a:fillRef idx="3">
+          <a:scrgbClr r="0" g="0" b="0"/>
+        </a:fillRef>
+        <a:effectRef idx="3">
+          <a:scrgbClr r="0" g="0" b="0"/>
+        </a:effectRef>
+        <a:fontRef idx="minor">
+          <a:schemeClr val="lt1"/>
+        </a:fontRef>
+      </dsp:style>
+      <dsp:txBody>
+        <a:bodyPr spcFirstLastPara="0" vert="horz" wrap="square" lIns="12700" tIns="12700" rIns="12700" bIns="12700" numCol="1" spcCol="1270" anchor="ctr" anchorCtr="0">
+          <a:noAutofit/>
+        </a:bodyPr>
+        <a:lstStyle/>
+        <a:p>
+          <a:pPr lvl="0" algn="ctr" defTabSz="889000">
+            <a:lnSpc>
+              <a:spcPct val="90000"/>
+            </a:lnSpc>
+            <a:spcBef>
+              <a:spcPct val="0"/>
+            </a:spcBef>
+            <a:spcAft>
+              <a:spcPct val="35000"/>
+            </a:spcAft>
+          </a:pPr>
+          <a:r>
+            <a:rPr lang="zh-CN" altLang="en-US" sz="2000" kern="1200">
+              <a:latin typeface="微软雅黑" pitchFamily="34" charset="-122"/>
+              <a:ea typeface="微软雅黑" pitchFamily="34" charset="-122"/>
+            </a:rPr>
+            <a:t>项目执行团队</a:t>
+          </a:r>
+          <a:r>
+            <a:rPr lang="en-US" altLang="zh-CN" sz="2000" kern="1200">
+              <a:latin typeface="微软雅黑" pitchFamily="34" charset="-122"/>
+              <a:ea typeface="微软雅黑" pitchFamily="34" charset="-122"/>
+            </a:rPr>
+            <a:t>(</a:t>
+          </a:r>
+          <a:r>
+            <a:rPr lang="zh-CN" altLang="en-US" sz="2000" kern="1200">
+              <a:latin typeface="微软雅黑" pitchFamily="34" charset="-122"/>
+              <a:ea typeface="微软雅黑" pitchFamily="34" charset="-122"/>
+            </a:rPr>
+            <a:t>客户</a:t>
+          </a:r>
+          <a:r>
+            <a:rPr lang="en-US" altLang="zh-CN" sz="2000" kern="1200">
+              <a:latin typeface="微软雅黑" pitchFamily="34" charset="-122"/>
+              <a:ea typeface="微软雅黑" pitchFamily="34" charset="-122"/>
+            </a:rPr>
+            <a:t>)</a:t>
+          </a:r>
+          <a:endParaRPr lang="zh-CN" altLang="en-US" sz="2000" kern="1200">
+            <a:latin typeface="微软雅黑" pitchFamily="34" charset="-122"/>
+            <a:ea typeface="微软雅黑" pitchFamily="34" charset="-122"/>
+          </a:endParaRPr>
+        </a:p>
+      </dsp:txBody>
+      <dsp:txXfrm>
+        <a:off x="4362155" y="3346632"/>
+        <a:ext cx="2355763" cy="1177881"/>
+      </dsp:txXfrm>
+    </dsp:sp>
+    <dsp:sp modelId="{0B2EA9CE-3E7A-4366-9973-F7B44C776BDF}">
+      <dsp:nvSpPr>
+        <dsp:cNvPr id="0" name=""/>
+        <dsp:cNvSpPr/>
+      </dsp:nvSpPr>
+      <dsp:spPr>
+        <a:xfrm>
+          <a:off x="1511681" y="1674040"/>
+          <a:ext cx="2355763" cy="1177881"/>
+        </a:xfrm>
+        <a:prstGeom prst="rect">
+          <a:avLst/>
+        </a:prstGeom>
+        <a:gradFill rotWithShape="0">
+          <a:gsLst>
+            <a:gs pos="0">
+              <a:schemeClr val="accent2">
+                <a:hueOff val="0"/>
+                <a:satOff val="0"/>
+                <a:lumOff val="0"/>
+                <a:alphaOff val="0"/>
+                <a:shade val="51000"/>
+                <a:satMod val="130000"/>
+              </a:schemeClr>
+            </a:gs>
+            <a:gs pos="80000">
+              <a:schemeClr val="accent2">
+                <a:hueOff val="0"/>
+                <a:satOff val="0"/>
+                <a:lumOff val="0"/>
+                <a:alphaOff val="0"/>
+                <a:shade val="93000"/>
+                <a:satMod val="130000"/>
+              </a:schemeClr>
+            </a:gs>
+            <a:gs pos="100000">
+              <a:schemeClr val="accent2">
+                <a:hueOff val="0"/>
+                <a:satOff val="0"/>
+                <a:lumOff val="0"/>
+                <a:alphaOff val="0"/>
+                <a:shade val="94000"/>
+                <a:satMod val="135000"/>
+              </a:schemeClr>
+            </a:gs>
+          </a:gsLst>
+          <a:lin ang="16200000" scaled="0"/>
+        </a:gradFill>
+        <a:ln>
+          <a:noFill/>
+        </a:ln>
+        <a:effectLst>
+          <a:outerShdw blurRad="40000" dist="23000" dir="5400000" rotWithShape="0">
+            <a:srgbClr val="000000">
+              <a:alpha val="35000"/>
+            </a:srgbClr>
+          </a:outerShdw>
+        </a:effectLst>
+        <a:scene3d>
+          <a:camera prst="orthographicFront">
+            <a:rot lat="0" lon="0" rev="0"/>
+          </a:camera>
+          <a:lightRig rig="threePt" dir="t">
+            <a:rot lat="0" lon="0" rev="1200000"/>
+          </a:lightRig>
+        </a:scene3d>
+        <a:sp3d>
+          <a:bevelT w="63500" h="25400"/>
+        </a:sp3d>
+      </dsp:spPr>
+      <dsp:style>
+        <a:lnRef idx="0">
+          <a:scrgbClr r="0" g="0" b="0"/>
+        </a:lnRef>
+        <a:fillRef idx="3">
+          <a:scrgbClr r="0" g="0" b="0"/>
+        </a:fillRef>
+        <a:effectRef idx="3">
+          <a:scrgbClr r="0" g="0" b="0"/>
+        </a:effectRef>
+        <a:fontRef idx="minor">
+          <a:schemeClr val="lt1"/>
+        </a:fontRef>
+      </dsp:style>
+      <dsp:txBody>
+        <a:bodyPr spcFirstLastPara="0" vert="horz" wrap="square" lIns="12700" tIns="12700" rIns="12700" bIns="12700" numCol="1" spcCol="1270" anchor="ctr" anchorCtr="0">
+          <a:noAutofit/>
+        </a:bodyPr>
+        <a:lstStyle/>
+        <a:p>
+          <a:pPr lvl="0" algn="ctr" defTabSz="889000">
+            <a:lnSpc>
+              <a:spcPct val="90000"/>
+            </a:lnSpc>
+            <a:spcBef>
+              <a:spcPct val="0"/>
+            </a:spcBef>
+            <a:spcAft>
+              <a:spcPct val="35000"/>
+            </a:spcAft>
+          </a:pPr>
+          <a:r>
+            <a:rPr lang="en-US" altLang="zh-CN" sz="2000" kern="1200">
+              <a:latin typeface="微软雅黑" pitchFamily="34" charset="-122"/>
+              <a:ea typeface="微软雅黑" pitchFamily="34" charset="-122"/>
+            </a:rPr>
+            <a:t>CCB</a:t>
+          </a:r>
+          <a:endParaRPr lang="zh-CN" altLang="en-US" sz="2000" kern="1200">
+            <a:latin typeface="微软雅黑" pitchFamily="34" charset="-122"/>
+            <a:ea typeface="微软雅黑" pitchFamily="34" charset="-122"/>
+          </a:endParaRPr>
+        </a:p>
+      </dsp:txBody>
+      <dsp:txXfrm>
+        <a:off x="1511681" y="1674040"/>
+        <a:ext cx="2355763" cy="1177881"/>
+      </dsp:txXfrm>
+    </dsp:sp>
   </dsp:spTree>
 </dsp:drawing>
 </file>
@@ -5384,6 +6074,927 @@
       <dsp:cNvGrpSpPr/>
     </dsp:nvGrpSpPr>
     <dsp:grpSpPr/>
+    <dsp:sp modelId="{D117D574-BCF9-4DE6-9B7F-28331FBEBDDD}">
+      <dsp:nvSpPr>
+        <dsp:cNvPr id="0" name=""/>
+        <dsp:cNvSpPr/>
+      </dsp:nvSpPr>
+      <dsp:spPr>
+        <a:xfrm>
+          <a:off x="1675023" y="1754694"/>
+          <a:ext cx="2033147" cy="1016573"/>
+        </a:xfrm>
+        <a:prstGeom prst="roundRect">
+          <a:avLst>
+            <a:gd name="adj" fmla="val 10000"/>
+          </a:avLst>
+        </a:prstGeom>
+        <a:gradFill rotWithShape="0">
+          <a:gsLst>
+            <a:gs pos="0">
+              <a:schemeClr val="accent1">
+                <a:hueOff val="0"/>
+                <a:satOff val="0"/>
+                <a:lumOff val="0"/>
+                <a:alphaOff val="0"/>
+                <a:shade val="51000"/>
+                <a:satMod val="130000"/>
+              </a:schemeClr>
+            </a:gs>
+            <a:gs pos="80000">
+              <a:schemeClr val="accent1">
+                <a:hueOff val="0"/>
+                <a:satOff val="0"/>
+                <a:lumOff val="0"/>
+                <a:alphaOff val="0"/>
+                <a:shade val="93000"/>
+                <a:satMod val="130000"/>
+              </a:schemeClr>
+            </a:gs>
+            <a:gs pos="100000">
+              <a:schemeClr val="accent1">
+                <a:hueOff val="0"/>
+                <a:satOff val="0"/>
+                <a:lumOff val="0"/>
+                <a:alphaOff val="0"/>
+                <a:shade val="94000"/>
+                <a:satMod val="135000"/>
+              </a:schemeClr>
+            </a:gs>
+          </a:gsLst>
+          <a:lin ang="16200000" scaled="0"/>
+        </a:gradFill>
+        <a:ln>
+          <a:noFill/>
+        </a:ln>
+        <a:effectLst>
+          <a:outerShdw blurRad="40000" dist="23000" dir="5400000" rotWithShape="0">
+            <a:srgbClr val="000000">
+              <a:alpha val="35000"/>
+            </a:srgbClr>
+          </a:outerShdw>
+        </a:effectLst>
+      </dsp:spPr>
+      <dsp:style>
+        <a:lnRef idx="0">
+          <a:scrgbClr r="0" g="0" b="0"/>
+        </a:lnRef>
+        <a:fillRef idx="3">
+          <a:scrgbClr r="0" g="0" b="0"/>
+        </a:fillRef>
+        <a:effectRef idx="2">
+          <a:scrgbClr r="0" g="0" b="0"/>
+        </a:effectRef>
+        <a:fontRef idx="minor">
+          <a:schemeClr val="lt1"/>
+        </a:fontRef>
+      </dsp:style>
+      <dsp:txBody>
+        <a:bodyPr spcFirstLastPara="0" vert="horz" wrap="square" lIns="8890" tIns="8890" rIns="8890" bIns="8890" numCol="1" spcCol="1270" anchor="ctr" anchorCtr="0">
+          <a:noAutofit/>
+        </a:bodyPr>
+        <a:lstStyle/>
+        <a:p>
+          <a:pPr lvl="0" algn="ctr" defTabSz="622300">
+            <a:lnSpc>
+              <a:spcPct val="90000"/>
+            </a:lnSpc>
+            <a:spcBef>
+              <a:spcPct val="0"/>
+            </a:spcBef>
+            <a:spcAft>
+              <a:spcPct val="35000"/>
+            </a:spcAft>
+          </a:pPr>
+          <a:r>
+            <a:rPr lang="en-US" altLang="zh-CN" sz="1400" kern="1200">
+              <a:latin typeface="微软雅黑" pitchFamily="34" charset="-122"/>
+              <a:ea typeface="微软雅黑" pitchFamily="34" charset="-122"/>
+            </a:rPr>
+            <a:t>CCB</a:t>
+          </a:r>
+          <a:endParaRPr lang="zh-CN" altLang="en-US" sz="1400" kern="1200">
+            <a:latin typeface="微软雅黑" pitchFamily="34" charset="-122"/>
+            <a:ea typeface="微软雅黑" pitchFamily="34" charset="-122"/>
+          </a:endParaRPr>
+        </a:p>
+      </dsp:txBody>
+      <dsp:txXfrm>
+        <a:off x="1704797" y="1784468"/>
+        <a:ext cx="1973599" cy="957025"/>
+      </dsp:txXfrm>
+    </dsp:sp>
+    <dsp:sp modelId="{AE86BDD2-412E-44D1-A8D1-90D83B09977E}">
+      <dsp:nvSpPr>
+        <dsp:cNvPr id="0" name=""/>
+        <dsp:cNvSpPr/>
+      </dsp:nvSpPr>
+      <dsp:spPr>
+        <a:xfrm rot="17692822">
+          <a:off x="3148302" y="1365971"/>
+          <a:ext cx="1932994" cy="40429"/>
+        </a:xfrm>
+        <a:custGeom>
+          <a:avLst/>
+          <a:gdLst/>
+          <a:ahLst/>
+          <a:cxnLst/>
+          <a:rect l="0" t="0" r="0" b="0"/>
+          <a:pathLst>
+            <a:path>
+              <a:moveTo>
+                <a:pt x="0" y="20214"/>
+              </a:moveTo>
+              <a:lnTo>
+                <a:pt x="1932994" y="20214"/>
+              </a:lnTo>
+            </a:path>
+          </a:pathLst>
+        </a:custGeom>
+        <a:noFill/>
+        <a:ln w="9525" cap="flat" cmpd="sng" algn="ctr">
+          <a:solidFill>
+            <a:schemeClr val="accent2">
+              <a:hueOff val="0"/>
+              <a:satOff val="0"/>
+              <a:lumOff val="0"/>
+              <a:alphaOff val="0"/>
+            </a:schemeClr>
+          </a:solidFill>
+          <a:prstDash val="solid"/>
+        </a:ln>
+        <a:effectLst/>
+      </dsp:spPr>
+      <dsp:style>
+        <a:lnRef idx="1">
+          <a:scrgbClr r="0" g="0" b="0"/>
+        </a:lnRef>
+        <a:fillRef idx="0">
+          <a:scrgbClr r="0" g="0" b="0"/>
+        </a:fillRef>
+        <a:effectRef idx="0">
+          <a:scrgbClr r="0" g="0" b="0"/>
+        </a:effectRef>
+        <a:fontRef idx="minor"/>
+      </dsp:style>
+      <dsp:txBody>
+        <a:bodyPr spcFirstLastPara="0" vert="horz" wrap="square" lIns="12700" tIns="0" rIns="12700" bIns="0" numCol="1" spcCol="1270" anchor="ctr" anchorCtr="0">
+          <a:noAutofit/>
+        </a:bodyPr>
+        <a:lstStyle/>
+        <a:p>
+          <a:pPr lvl="0" algn="ctr" defTabSz="622300">
+            <a:lnSpc>
+              <a:spcPct val="90000"/>
+            </a:lnSpc>
+            <a:spcBef>
+              <a:spcPct val="0"/>
+            </a:spcBef>
+            <a:spcAft>
+              <a:spcPct val="35000"/>
+            </a:spcAft>
+          </a:pPr>
+          <a:endParaRPr lang="zh-CN" altLang="en-US" sz="1400" kern="1200"/>
+        </a:p>
+      </dsp:txBody>
+      <dsp:txXfrm>
+        <a:off x="4066475" y="1337861"/>
+        <a:ext cx="96649" cy="96649"/>
+      </dsp:txXfrm>
+    </dsp:sp>
+    <dsp:sp modelId="{4154CDA5-0C77-412D-B293-C8A0A2FD4468}">
+      <dsp:nvSpPr>
+        <dsp:cNvPr id="0" name=""/>
+        <dsp:cNvSpPr/>
+      </dsp:nvSpPr>
+      <dsp:spPr>
+        <a:xfrm>
+          <a:off x="4521429" y="1104"/>
+          <a:ext cx="2033147" cy="1016573"/>
+        </a:xfrm>
+        <a:prstGeom prst="roundRect">
+          <a:avLst>
+            <a:gd name="adj" fmla="val 10000"/>
+          </a:avLst>
+        </a:prstGeom>
+        <a:gradFill rotWithShape="0">
+          <a:gsLst>
+            <a:gs pos="0">
+              <a:schemeClr val="accent2">
+                <a:hueOff val="0"/>
+                <a:satOff val="0"/>
+                <a:lumOff val="0"/>
+                <a:alphaOff val="0"/>
+                <a:shade val="51000"/>
+                <a:satMod val="130000"/>
+              </a:schemeClr>
+            </a:gs>
+            <a:gs pos="80000">
+              <a:schemeClr val="accent2">
+                <a:hueOff val="0"/>
+                <a:satOff val="0"/>
+                <a:lumOff val="0"/>
+                <a:alphaOff val="0"/>
+                <a:shade val="93000"/>
+                <a:satMod val="130000"/>
+              </a:schemeClr>
+            </a:gs>
+            <a:gs pos="100000">
+              <a:schemeClr val="accent2">
+                <a:hueOff val="0"/>
+                <a:satOff val="0"/>
+                <a:lumOff val="0"/>
+                <a:alphaOff val="0"/>
+                <a:shade val="94000"/>
+                <a:satMod val="135000"/>
+              </a:schemeClr>
+            </a:gs>
+          </a:gsLst>
+          <a:lin ang="16200000" scaled="0"/>
+        </a:gradFill>
+        <a:ln>
+          <a:noFill/>
+        </a:ln>
+        <a:effectLst>
+          <a:outerShdw blurRad="40000" dist="23000" dir="5400000" rotWithShape="0">
+            <a:srgbClr val="000000">
+              <a:alpha val="35000"/>
+            </a:srgbClr>
+          </a:outerShdw>
+        </a:effectLst>
+      </dsp:spPr>
+      <dsp:style>
+        <a:lnRef idx="0">
+          <a:scrgbClr r="0" g="0" b="0"/>
+        </a:lnRef>
+        <a:fillRef idx="3">
+          <a:scrgbClr r="0" g="0" b="0"/>
+        </a:fillRef>
+        <a:effectRef idx="2">
+          <a:scrgbClr r="0" g="0" b="0"/>
+        </a:effectRef>
+        <a:fontRef idx="minor">
+          <a:schemeClr val="lt1"/>
+        </a:fontRef>
+      </dsp:style>
+      <dsp:txBody>
+        <a:bodyPr spcFirstLastPara="0" vert="horz" wrap="square" lIns="8890" tIns="8890" rIns="8890" bIns="8890" numCol="1" spcCol="1270" anchor="ctr" anchorCtr="0">
+          <a:noAutofit/>
+        </a:bodyPr>
+        <a:lstStyle/>
+        <a:p>
+          <a:pPr lvl="0" algn="ctr" defTabSz="622300">
+            <a:lnSpc>
+              <a:spcPct val="90000"/>
+            </a:lnSpc>
+            <a:spcBef>
+              <a:spcPct val="0"/>
+            </a:spcBef>
+            <a:spcAft>
+              <a:spcPct val="35000"/>
+            </a:spcAft>
+          </a:pPr>
+          <a:r>
+            <a:rPr lang="zh-CN" altLang="en-US" sz="1400" kern="1200">
+              <a:latin typeface="微软雅黑" pitchFamily="34" charset="-122"/>
+              <a:ea typeface="微软雅黑" pitchFamily="34" charset="-122"/>
+            </a:rPr>
+            <a:t>项目领导团队代表</a:t>
+          </a:r>
+        </a:p>
+      </dsp:txBody>
+      <dsp:txXfrm>
+        <a:off x="4551203" y="30878"/>
+        <a:ext cx="1973599" cy="957025"/>
+      </dsp:txXfrm>
+    </dsp:sp>
+    <dsp:sp modelId="{9016E5CB-F5DA-4DCC-AC4F-496448132667}">
+      <dsp:nvSpPr>
+        <dsp:cNvPr id="0" name=""/>
+        <dsp:cNvSpPr/>
+      </dsp:nvSpPr>
+      <dsp:spPr>
+        <a:xfrm rot="19457599">
+          <a:off x="3614034" y="1950501"/>
+          <a:ext cx="1001531" cy="40429"/>
+        </a:xfrm>
+        <a:custGeom>
+          <a:avLst/>
+          <a:gdLst/>
+          <a:ahLst/>
+          <a:cxnLst/>
+          <a:rect l="0" t="0" r="0" b="0"/>
+          <a:pathLst>
+            <a:path>
+              <a:moveTo>
+                <a:pt x="0" y="20214"/>
+              </a:moveTo>
+              <a:lnTo>
+                <a:pt x="1001531" y="20214"/>
+              </a:lnTo>
+            </a:path>
+          </a:pathLst>
+        </a:custGeom>
+        <a:noFill/>
+        <a:ln w="9525" cap="flat" cmpd="sng" algn="ctr">
+          <a:solidFill>
+            <a:schemeClr val="accent2">
+              <a:hueOff val="0"/>
+              <a:satOff val="0"/>
+              <a:lumOff val="0"/>
+              <a:alphaOff val="0"/>
+            </a:schemeClr>
+          </a:solidFill>
+          <a:prstDash val="solid"/>
+        </a:ln>
+        <a:effectLst/>
+      </dsp:spPr>
+      <dsp:style>
+        <a:lnRef idx="1">
+          <a:scrgbClr r="0" g="0" b="0"/>
+        </a:lnRef>
+        <a:fillRef idx="0">
+          <a:scrgbClr r="0" g="0" b="0"/>
+        </a:fillRef>
+        <a:effectRef idx="0">
+          <a:scrgbClr r="0" g="0" b="0"/>
+        </a:effectRef>
+        <a:fontRef idx="minor"/>
+      </dsp:style>
+      <dsp:txBody>
+        <a:bodyPr spcFirstLastPara="0" vert="horz" wrap="square" lIns="12700" tIns="0" rIns="12700" bIns="0" numCol="1" spcCol="1270" anchor="ctr" anchorCtr="0">
+          <a:noAutofit/>
+        </a:bodyPr>
+        <a:lstStyle/>
+        <a:p>
+          <a:pPr lvl="0" algn="ctr" defTabSz="622300">
+            <a:lnSpc>
+              <a:spcPct val="90000"/>
+            </a:lnSpc>
+            <a:spcBef>
+              <a:spcPct val="0"/>
+            </a:spcBef>
+            <a:spcAft>
+              <a:spcPct val="35000"/>
+            </a:spcAft>
+          </a:pPr>
+          <a:endParaRPr lang="zh-CN" altLang="en-US" sz="1400" kern="1200"/>
+        </a:p>
+      </dsp:txBody>
+      <dsp:txXfrm>
+        <a:off x="4089761" y="1945678"/>
+        <a:ext cx="50076" cy="50076"/>
+      </dsp:txXfrm>
+    </dsp:sp>
+    <dsp:sp modelId="{A477B748-D6BB-43CF-9C57-5366EB402008}">
+      <dsp:nvSpPr>
+        <dsp:cNvPr id="0" name=""/>
+        <dsp:cNvSpPr/>
+      </dsp:nvSpPr>
+      <dsp:spPr>
+        <a:xfrm>
+          <a:off x="4521429" y="1170164"/>
+          <a:ext cx="2033147" cy="1016573"/>
+        </a:xfrm>
+        <a:prstGeom prst="roundRect">
+          <a:avLst>
+            <a:gd name="adj" fmla="val 10000"/>
+          </a:avLst>
+        </a:prstGeom>
+        <a:gradFill rotWithShape="0">
+          <a:gsLst>
+            <a:gs pos="0">
+              <a:schemeClr val="accent2">
+                <a:hueOff val="0"/>
+                <a:satOff val="0"/>
+                <a:lumOff val="0"/>
+                <a:alphaOff val="0"/>
+                <a:shade val="51000"/>
+                <a:satMod val="130000"/>
+              </a:schemeClr>
+            </a:gs>
+            <a:gs pos="80000">
+              <a:schemeClr val="accent2">
+                <a:hueOff val="0"/>
+                <a:satOff val="0"/>
+                <a:lumOff val="0"/>
+                <a:alphaOff val="0"/>
+                <a:shade val="93000"/>
+                <a:satMod val="130000"/>
+              </a:schemeClr>
+            </a:gs>
+            <a:gs pos="100000">
+              <a:schemeClr val="accent2">
+                <a:hueOff val="0"/>
+                <a:satOff val="0"/>
+                <a:lumOff val="0"/>
+                <a:alphaOff val="0"/>
+                <a:shade val="94000"/>
+                <a:satMod val="135000"/>
+              </a:schemeClr>
+            </a:gs>
+          </a:gsLst>
+          <a:lin ang="16200000" scaled="0"/>
+        </a:gradFill>
+        <a:ln>
+          <a:noFill/>
+        </a:ln>
+        <a:effectLst>
+          <a:outerShdw blurRad="40000" dist="23000" dir="5400000" rotWithShape="0">
+            <a:srgbClr val="000000">
+              <a:alpha val="35000"/>
+            </a:srgbClr>
+          </a:outerShdw>
+        </a:effectLst>
+      </dsp:spPr>
+      <dsp:style>
+        <a:lnRef idx="0">
+          <a:scrgbClr r="0" g="0" b="0"/>
+        </a:lnRef>
+        <a:fillRef idx="3">
+          <a:scrgbClr r="0" g="0" b="0"/>
+        </a:fillRef>
+        <a:effectRef idx="2">
+          <a:scrgbClr r="0" g="0" b="0"/>
+        </a:effectRef>
+        <a:fontRef idx="minor">
+          <a:schemeClr val="lt1"/>
+        </a:fontRef>
+      </dsp:style>
+      <dsp:txBody>
+        <a:bodyPr spcFirstLastPara="0" vert="horz" wrap="square" lIns="8890" tIns="8890" rIns="8890" bIns="8890" numCol="1" spcCol="1270" anchor="ctr" anchorCtr="0">
+          <a:noAutofit/>
+        </a:bodyPr>
+        <a:lstStyle/>
+        <a:p>
+          <a:pPr lvl="0" algn="ctr" defTabSz="622300">
+            <a:lnSpc>
+              <a:spcPct val="90000"/>
+            </a:lnSpc>
+            <a:spcBef>
+              <a:spcPct val="0"/>
+            </a:spcBef>
+            <a:spcAft>
+              <a:spcPct val="35000"/>
+            </a:spcAft>
+          </a:pPr>
+          <a:r>
+            <a:rPr lang="zh-CN" altLang="en-US" sz="1400" kern="1200">
+              <a:latin typeface="微软雅黑" pitchFamily="34" charset="-122"/>
+              <a:ea typeface="微软雅黑" pitchFamily="34" charset="-122"/>
+            </a:rPr>
+            <a:t>项目执行团队</a:t>
+          </a:r>
+          <a:r>
+            <a:rPr lang="en-US" altLang="zh-CN" sz="1400" kern="1200">
+              <a:latin typeface="微软雅黑" pitchFamily="34" charset="-122"/>
+              <a:ea typeface="微软雅黑" pitchFamily="34" charset="-122"/>
+            </a:rPr>
+            <a:t>PM(</a:t>
+          </a:r>
+          <a:r>
+            <a:rPr lang="zh-CN" altLang="en-US" sz="1400" kern="1200">
+              <a:latin typeface="微软雅黑" pitchFamily="34" charset="-122"/>
+              <a:ea typeface="微软雅黑" pitchFamily="34" charset="-122"/>
+            </a:rPr>
+            <a:t>内部</a:t>
+          </a:r>
+          <a:r>
+            <a:rPr lang="en-US" altLang="zh-CN" sz="1400" kern="1200">
+              <a:latin typeface="微软雅黑" pitchFamily="34" charset="-122"/>
+              <a:ea typeface="微软雅黑" pitchFamily="34" charset="-122"/>
+            </a:rPr>
+            <a:t>)</a:t>
+          </a:r>
+          <a:endParaRPr lang="zh-CN" altLang="en-US" sz="1400" kern="1200">
+            <a:latin typeface="微软雅黑" pitchFamily="34" charset="-122"/>
+            <a:ea typeface="微软雅黑" pitchFamily="34" charset="-122"/>
+          </a:endParaRPr>
+        </a:p>
+      </dsp:txBody>
+      <dsp:txXfrm>
+        <a:off x="4551203" y="1199938"/>
+        <a:ext cx="1973599" cy="957025"/>
+      </dsp:txXfrm>
+    </dsp:sp>
+    <dsp:sp modelId="{20C694B1-581C-4627-A137-935C6D0ABAC5}">
+      <dsp:nvSpPr>
+        <dsp:cNvPr id="0" name=""/>
+        <dsp:cNvSpPr/>
+      </dsp:nvSpPr>
+      <dsp:spPr>
+        <a:xfrm rot="2142401">
+          <a:off x="3614034" y="2535031"/>
+          <a:ext cx="1001531" cy="40429"/>
+        </a:xfrm>
+        <a:custGeom>
+          <a:avLst/>
+          <a:gdLst/>
+          <a:ahLst/>
+          <a:cxnLst/>
+          <a:rect l="0" t="0" r="0" b="0"/>
+          <a:pathLst>
+            <a:path>
+              <a:moveTo>
+                <a:pt x="0" y="20214"/>
+              </a:moveTo>
+              <a:lnTo>
+                <a:pt x="1001531" y="20214"/>
+              </a:lnTo>
+            </a:path>
+          </a:pathLst>
+        </a:custGeom>
+        <a:noFill/>
+        <a:ln w="9525" cap="flat" cmpd="sng" algn="ctr">
+          <a:solidFill>
+            <a:schemeClr val="accent2">
+              <a:hueOff val="0"/>
+              <a:satOff val="0"/>
+              <a:lumOff val="0"/>
+              <a:alphaOff val="0"/>
+            </a:schemeClr>
+          </a:solidFill>
+          <a:prstDash val="solid"/>
+        </a:ln>
+        <a:effectLst/>
+      </dsp:spPr>
+      <dsp:style>
+        <a:lnRef idx="1">
+          <a:scrgbClr r="0" g="0" b="0"/>
+        </a:lnRef>
+        <a:fillRef idx="0">
+          <a:scrgbClr r="0" g="0" b="0"/>
+        </a:fillRef>
+        <a:effectRef idx="0">
+          <a:scrgbClr r="0" g="0" b="0"/>
+        </a:effectRef>
+        <a:fontRef idx="minor"/>
+      </dsp:style>
+      <dsp:txBody>
+        <a:bodyPr spcFirstLastPara="0" vert="horz" wrap="square" lIns="12700" tIns="0" rIns="12700" bIns="0" numCol="1" spcCol="1270" anchor="ctr" anchorCtr="0">
+          <a:noAutofit/>
+        </a:bodyPr>
+        <a:lstStyle/>
+        <a:p>
+          <a:pPr lvl="0" algn="ctr" defTabSz="622300">
+            <a:lnSpc>
+              <a:spcPct val="90000"/>
+            </a:lnSpc>
+            <a:spcBef>
+              <a:spcPct val="0"/>
+            </a:spcBef>
+            <a:spcAft>
+              <a:spcPct val="35000"/>
+            </a:spcAft>
+          </a:pPr>
+          <a:endParaRPr lang="zh-CN" altLang="en-US" sz="1400" kern="1200"/>
+        </a:p>
+      </dsp:txBody>
+      <dsp:txXfrm>
+        <a:off x="4089761" y="2530208"/>
+        <a:ext cx="50076" cy="50076"/>
+      </dsp:txXfrm>
+    </dsp:sp>
+    <dsp:sp modelId="{1E5817F0-17CC-4CE2-B8AB-B46E4BDCC2F0}">
+      <dsp:nvSpPr>
+        <dsp:cNvPr id="0" name=""/>
+        <dsp:cNvSpPr/>
+      </dsp:nvSpPr>
+      <dsp:spPr>
+        <a:xfrm>
+          <a:off x="4521429" y="2339224"/>
+          <a:ext cx="2033147" cy="1016573"/>
+        </a:xfrm>
+        <a:prstGeom prst="roundRect">
+          <a:avLst>
+            <a:gd name="adj" fmla="val 10000"/>
+          </a:avLst>
+        </a:prstGeom>
+        <a:gradFill rotWithShape="0">
+          <a:gsLst>
+            <a:gs pos="0">
+              <a:schemeClr val="accent2">
+                <a:hueOff val="0"/>
+                <a:satOff val="0"/>
+                <a:lumOff val="0"/>
+                <a:alphaOff val="0"/>
+                <a:shade val="51000"/>
+                <a:satMod val="130000"/>
+              </a:schemeClr>
+            </a:gs>
+            <a:gs pos="80000">
+              <a:schemeClr val="accent2">
+                <a:hueOff val="0"/>
+                <a:satOff val="0"/>
+                <a:lumOff val="0"/>
+                <a:alphaOff val="0"/>
+                <a:shade val="93000"/>
+                <a:satMod val="130000"/>
+              </a:schemeClr>
+            </a:gs>
+            <a:gs pos="100000">
+              <a:schemeClr val="accent2">
+                <a:hueOff val="0"/>
+                <a:satOff val="0"/>
+                <a:lumOff val="0"/>
+                <a:alphaOff val="0"/>
+                <a:shade val="94000"/>
+                <a:satMod val="135000"/>
+              </a:schemeClr>
+            </a:gs>
+          </a:gsLst>
+          <a:lin ang="16200000" scaled="0"/>
+        </a:gradFill>
+        <a:ln>
+          <a:noFill/>
+        </a:ln>
+        <a:effectLst>
+          <a:outerShdw blurRad="40000" dist="23000" dir="5400000" rotWithShape="0">
+            <a:srgbClr val="000000">
+              <a:alpha val="35000"/>
+            </a:srgbClr>
+          </a:outerShdw>
+        </a:effectLst>
+      </dsp:spPr>
+      <dsp:style>
+        <a:lnRef idx="0">
+          <a:scrgbClr r="0" g="0" b="0"/>
+        </a:lnRef>
+        <a:fillRef idx="3">
+          <a:scrgbClr r="0" g="0" b="0"/>
+        </a:fillRef>
+        <a:effectRef idx="2">
+          <a:scrgbClr r="0" g="0" b="0"/>
+        </a:effectRef>
+        <a:fontRef idx="minor">
+          <a:schemeClr val="lt1"/>
+        </a:fontRef>
+      </dsp:style>
+      <dsp:txBody>
+        <a:bodyPr spcFirstLastPara="0" vert="horz" wrap="square" lIns="8890" tIns="8890" rIns="8890" bIns="8890" numCol="1" spcCol="1270" anchor="ctr" anchorCtr="0">
+          <a:noAutofit/>
+        </a:bodyPr>
+        <a:lstStyle/>
+        <a:p>
+          <a:pPr lvl="0" algn="ctr" defTabSz="622300">
+            <a:lnSpc>
+              <a:spcPct val="90000"/>
+            </a:lnSpc>
+            <a:spcBef>
+              <a:spcPct val="0"/>
+            </a:spcBef>
+            <a:spcAft>
+              <a:spcPct val="35000"/>
+            </a:spcAft>
+          </a:pPr>
+          <a:r>
+            <a:rPr lang="zh-CN" altLang="en-US" sz="1400" kern="1200" dirty="0">
+              <a:latin typeface="微软雅黑" pitchFamily="34" charset="-122"/>
+              <a:ea typeface="微软雅黑" pitchFamily="34" charset="-122"/>
+            </a:rPr>
+            <a:t>项目执行团队</a:t>
+          </a:r>
+          <a:r>
+            <a:rPr lang="en-US" altLang="zh-CN" sz="1400" kern="1200" dirty="0">
+              <a:latin typeface="微软雅黑" pitchFamily="34" charset="-122"/>
+              <a:ea typeface="微软雅黑" pitchFamily="34" charset="-122"/>
+            </a:rPr>
+            <a:t>PM(</a:t>
+          </a:r>
+          <a:r>
+            <a:rPr lang="zh-CN" altLang="en-US" sz="1400" kern="1200" dirty="0">
+              <a:latin typeface="微软雅黑" pitchFamily="34" charset="-122"/>
+              <a:ea typeface="微软雅黑" pitchFamily="34" charset="-122"/>
+            </a:rPr>
+            <a:t>客户</a:t>
+          </a:r>
+          <a:r>
+            <a:rPr lang="en-US" altLang="zh-CN" sz="1400" kern="1200" dirty="0">
+              <a:latin typeface="微软雅黑" pitchFamily="34" charset="-122"/>
+              <a:ea typeface="微软雅黑" pitchFamily="34" charset="-122"/>
+            </a:rPr>
+            <a:t>)</a:t>
+          </a:r>
+          <a:endParaRPr lang="zh-CN" altLang="en-US" sz="1400" kern="1200" dirty="0">
+            <a:latin typeface="微软雅黑" pitchFamily="34" charset="-122"/>
+            <a:ea typeface="微软雅黑" pitchFamily="34" charset="-122"/>
+          </a:endParaRPr>
+        </a:p>
+      </dsp:txBody>
+      <dsp:txXfrm>
+        <a:off x="4551203" y="2368998"/>
+        <a:ext cx="1973599" cy="957025"/>
+      </dsp:txXfrm>
+    </dsp:sp>
+    <dsp:sp modelId="{1486D822-A753-4EB0-AC20-52323214B4D6}">
+      <dsp:nvSpPr>
+        <dsp:cNvPr id="0" name=""/>
+        <dsp:cNvSpPr/>
+      </dsp:nvSpPr>
+      <dsp:spPr>
+        <a:xfrm rot="3907178">
+          <a:off x="3148302" y="3119561"/>
+          <a:ext cx="1932994" cy="40429"/>
+        </a:xfrm>
+        <a:custGeom>
+          <a:avLst/>
+          <a:gdLst/>
+          <a:ahLst/>
+          <a:cxnLst/>
+          <a:rect l="0" t="0" r="0" b="0"/>
+          <a:pathLst>
+            <a:path>
+              <a:moveTo>
+                <a:pt x="0" y="20214"/>
+              </a:moveTo>
+              <a:lnTo>
+                <a:pt x="1932994" y="20214"/>
+              </a:lnTo>
+            </a:path>
+          </a:pathLst>
+        </a:custGeom>
+        <a:noFill/>
+        <a:ln w="9525" cap="flat" cmpd="sng" algn="ctr">
+          <a:solidFill>
+            <a:schemeClr val="accent2">
+              <a:hueOff val="0"/>
+              <a:satOff val="0"/>
+              <a:lumOff val="0"/>
+              <a:alphaOff val="0"/>
+            </a:schemeClr>
+          </a:solidFill>
+          <a:prstDash val="solid"/>
+        </a:ln>
+        <a:effectLst/>
+      </dsp:spPr>
+      <dsp:style>
+        <a:lnRef idx="1">
+          <a:scrgbClr r="0" g="0" b="0"/>
+        </a:lnRef>
+        <a:fillRef idx="0">
+          <a:scrgbClr r="0" g="0" b="0"/>
+        </a:fillRef>
+        <a:effectRef idx="0">
+          <a:scrgbClr r="0" g="0" b="0"/>
+        </a:effectRef>
+        <a:fontRef idx="minor"/>
+      </dsp:style>
+      <dsp:txBody>
+        <a:bodyPr spcFirstLastPara="0" vert="horz" wrap="square" lIns="12700" tIns="0" rIns="12700" bIns="0" numCol="1" spcCol="1270" anchor="ctr" anchorCtr="0">
+          <a:noAutofit/>
+        </a:bodyPr>
+        <a:lstStyle/>
+        <a:p>
+          <a:pPr lvl="0" algn="ctr" defTabSz="622300">
+            <a:lnSpc>
+              <a:spcPct val="90000"/>
+            </a:lnSpc>
+            <a:spcBef>
+              <a:spcPct val="0"/>
+            </a:spcBef>
+            <a:spcAft>
+              <a:spcPct val="35000"/>
+            </a:spcAft>
+          </a:pPr>
+          <a:endParaRPr lang="zh-CN" altLang="en-US" sz="1400" kern="1200"/>
+        </a:p>
+      </dsp:txBody>
+      <dsp:txXfrm>
+        <a:off x="4066475" y="3091451"/>
+        <a:ext cx="96649" cy="96649"/>
+      </dsp:txXfrm>
+    </dsp:sp>
+    <dsp:sp modelId="{DC3A403D-DE72-41F3-80F0-B953B55F826A}">
+      <dsp:nvSpPr>
+        <dsp:cNvPr id="0" name=""/>
+        <dsp:cNvSpPr/>
+      </dsp:nvSpPr>
+      <dsp:spPr>
+        <a:xfrm>
+          <a:off x="4521429" y="3508284"/>
+          <a:ext cx="2033147" cy="1016573"/>
+        </a:xfrm>
+        <a:prstGeom prst="roundRect">
+          <a:avLst>
+            <a:gd name="adj" fmla="val 10000"/>
+          </a:avLst>
+        </a:prstGeom>
+        <a:gradFill rotWithShape="0">
+          <a:gsLst>
+            <a:gs pos="0">
+              <a:schemeClr val="accent2">
+                <a:hueOff val="0"/>
+                <a:satOff val="0"/>
+                <a:lumOff val="0"/>
+                <a:alphaOff val="0"/>
+                <a:shade val="51000"/>
+                <a:satMod val="130000"/>
+              </a:schemeClr>
+            </a:gs>
+            <a:gs pos="80000">
+              <a:schemeClr val="accent2">
+                <a:hueOff val="0"/>
+                <a:satOff val="0"/>
+                <a:lumOff val="0"/>
+                <a:alphaOff val="0"/>
+                <a:shade val="93000"/>
+                <a:satMod val="130000"/>
+              </a:schemeClr>
+            </a:gs>
+            <a:gs pos="100000">
+              <a:schemeClr val="accent2">
+                <a:hueOff val="0"/>
+                <a:satOff val="0"/>
+                <a:lumOff val="0"/>
+                <a:alphaOff val="0"/>
+                <a:shade val="94000"/>
+                <a:satMod val="135000"/>
+              </a:schemeClr>
+            </a:gs>
+          </a:gsLst>
+          <a:lin ang="16200000" scaled="0"/>
+        </a:gradFill>
+        <a:ln>
+          <a:noFill/>
+        </a:ln>
+        <a:effectLst>
+          <a:outerShdw blurRad="40000" dist="23000" dir="5400000" rotWithShape="0">
+            <a:srgbClr val="000000">
+              <a:alpha val="35000"/>
+            </a:srgbClr>
+          </a:outerShdw>
+        </a:effectLst>
+      </dsp:spPr>
+      <dsp:style>
+        <a:lnRef idx="0">
+          <a:scrgbClr r="0" g="0" b="0"/>
+        </a:lnRef>
+        <a:fillRef idx="3">
+          <a:scrgbClr r="0" g="0" b="0"/>
+        </a:fillRef>
+        <a:effectRef idx="2">
+          <a:scrgbClr r="0" g="0" b="0"/>
+        </a:effectRef>
+        <a:fontRef idx="minor">
+          <a:schemeClr val="lt1"/>
+        </a:fontRef>
+      </dsp:style>
+      <dsp:txBody>
+        <a:bodyPr spcFirstLastPara="0" vert="horz" wrap="square" lIns="8890" tIns="8890" rIns="8890" bIns="8890" numCol="1" spcCol="1270" anchor="ctr" anchorCtr="0">
+          <a:noAutofit/>
+        </a:bodyPr>
+        <a:lstStyle/>
+        <a:p>
+          <a:pPr lvl="0" algn="ctr" defTabSz="622300">
+            <a:lnSpc>
+              <a:spcPct val="90000"/>
+            </a:lnSpc>
+            <a:spcBef>
+              <a:spcPct val="0"/>
+            </a:spcBef>
+            <a:spcAft>
+              <a:spcPct val="35000"/>
+            </a:spcAft>
+          </a:pPr>
+          <a:r>
+            <a:rPr lang="zh-CN" altLang="en-US" sz="1400" kern="1200" dirty="0">
+              <a:latin typeface="微软雅黑" pitchFamily="34" charset="-122"/>
+              <a:ea typeface="微软雅黑" pitchFamily="34" charset="-122"/>
+            </a:rPr>
+            <a:t>项目执行团队业务负责人</a:t>
+          </a:r>
+          <a:r>
+            <a:rPr lang="en-US" altLang="zh-CN" sz="1400" kern="1200" dirty="0">
+              <a:latin typeface="微软雅黑" pitchFamily="34" charset="-122"/>
+              <a:ea typeface="微软雅黑" pitchFamily="34" charset="-122"/>
+            </a:rPr>
+            <a:t>(</a:t>
+          </a:r>
+          <a:r>
+            <a:rPr lang="zh-CN" altLang="en-US" sz="1400" kern="1200" dirty="0">
+              <a:latin typeface="微软雅黑" pitchFamily="34" charset="-122"/>
+              <a:ea typeface="微软雅黑" pitchFamily="34" charset="-122"/>
+            </a:rPr>
+            <a:t>客户</a:t>
+          </a:r>
+          <a:r>
+            <a:rPr lang="en-US" altLang="zh-CN" sz="1400" kern="1200" dirty="0">
+              <a:latin typeface="微软雅黑" pitchFamily="34" charset="-122"/>
+              <a:ea typeface="微软雅黑" pitchFamily="34" charset="-122"/>
+            </a:rPr>
+            <a:t>)</a:t>
+          </a:r>
+          <a:endParaRPr lang="zh-CN" altLang="en-US" sz="1400" kern="1200" dirty="0">
+            <a:latin typeface="微软雅黑" pitchFamily="34" charset="-122"/>
+            <a:ea typeface="微软雅黑" pitchFamily="34" charset="-122"/>
+          </a:endParaRPr>
+        </a:p>
+      </dsp:txBody>
+      <dsp:txXfrm>
+        <a:off x="4551203" y="3538058"/>
+        <a:ext cx="1973599" cy="957025"/>
+      </dsp:txXfrm>
+    </dsp:sp>
   </dsp:spTree>
 </dsp:drawing>
 </file>
@@ -10323,7 +11934,7 @@
           <a:p>
             <a:fld id="{8B2801E3-CA6A-4A79-87E4-A028D49854B5}" type="datetimeFigureOut">
               <a:rPr lang="zh-CN" altLang="en-US" smtClean="0"/>
-              <a:t>2011/7/26</a:t>
+              <a:t>2011/8/1</a:t>
             </a:fld>
             <a:endParaRPr lang="zh-CN" altLang="en-US"/>
           </a:p>
@@ -11346,7 +12957,7 @@
           <a:p>
             <a:fld id="{530820CF-B880-4189-942D-D702A7CBA730}" type="datetimeFigureOut">
               <a:rPr lang="zh-CN" altLang="en-US" smtClean="0"/>
-              <a:t>2011/7/26</a:t>
+              <a:t>2011/8/1</a:t>
             </a:fld>
             <a:endParaRPr lang="zh-CN" altLang="en-US"/>
           </a:p>
@@ -11579,7 +13190,7 @@
           <a:p>
             <a:fld id="{530820CF-B880-4189-942D-D702A7CBA730}" type="datetimeFigureOut">
               <a:rPr lang="zh-CN" altLang="en-US" smtClean="0"/>
-              <a:t>2011/7/26</a:t>
+              <a:t>2011/8/1</a:t>
             </a:fld>
             <a:endParaRPr lang="zh-CN" altLang="en-US"/>
           </a:p>
@@ -11817,7 +13428,7 @@
           <a:p>
             <a:fld id="{530820CF-B880-4189-942D-D702A7CBA730}" type="datetimeFigureOut">
               <a:rPr lang="zh-CN" altLang="en-US" smtClean="0"/>
-              <a:t>2011/7/26</a:t>
+              <a:t>2011/8/1</a:t>
             </a:fld>
             <a:endParaRPr lang="zh-CN" altLang="en-US"/>
           </a:p>
@@ -12380,7 +13991,7 @@
           <a:p>
             <a:fld id="{530820CF-B880-4189-942D-D702A7CBA730}" type="datetimeFigureOut">
               <a:rPr lang="zh-CN" altLang="en-US" smtClean="0"/>
-              <a:t>2011/7/26</a:t>
+              <a:t>2011/8/1</a:t>
             </a:fld>
             <a:endParaRPr lang="zh-CN" altLang="en-US"/>
           </a:p>
@@ -12633,7 +14244,7 @@
           <a:p>
             <a:fld id="{530820CF-B880-4189-942D-D702A7CBA730}" type="datetimeFigureOut">
               <a:rPr lang="zh-CN" altLang="en-US" smtClean="0"/>
-              <a:t>2011/7/26</a:t>
+              <a:t>2011/8/1</a:t>
             </a:fld>
             <a:endParaRPr lang="zh-CN" altLang="en-US"/>
           </a:p>
@@ -12998,7 +14609,7 @@
           <a:p>
             <a:fld id="{530820CF-B880-4189-942D-D702A7CBA730}" type="datetimeFigureOut">
               <a:rPr lang="zh-CN" altLang="en-US" smtClean="0"/>
-              <a:t>2011/7/26</a:t>
+              <a:t>2011/8/1</a:t>
             </a:fld>
             <a:endParaRPr lang="zh-CN" altLang="en-US"/>
           </a:p>
@@ -13541,7 +15152,7 @@
           <a:p>
             <a:fld id="{530820CF-B880-4189-942D-D702A7CBA730}" type="datetimeFigureOut">
               <a:rPr lang="zh-CN" altLang="en-US" smtClean="0"/>
-              <a:t>2011/7/26</a:t>
+              <a:t>2011/8/1</a:t>
             </a:fld>
             <a:endParaRPr lang="zh-CN" altLang="en-US"/>
           </a:p>
@@ -13666,7 +15277,7 @@
           <a:p>
             <a:fld id="{530820CF-B880-4189-942D-D702A7CBA730}" type="datetimeFigureOut">
               <a:rPr lang="zh-CN" altLang="en-US" smtClean="0"/>
-              <a:t>2011/7/26</a:t>
+              <a:t>2011/8/1</a:t>
             </a:fld>
             <a:endParaRPr lang="zh-CN" altLang="en-US"/>
           </a:p>
@@ -13768,7 +15379,7 @@
           <a:p>
             <a:fld id="{530820CF-B880-4189-942D-D702A7CBA730}" type="datetimeFigureOut">
               <a:rPr lang="zh-CN" altLang="en-US" smtClean="0"/>
-              <a:t>2011/7/26</a:t>
+              <a:t>2011/8/1</a:t>
             </a:fld>
             <a:endParaRPr lang="zh-CN" altLang="en-US"/>
           </a:p>
@@ -14101,7 +15712,7 @@
           <a:p>
             <a:fld id="{530820CF-B880-4189-942D-D702A7CBA730}" type="datetimeFigureOut">
               <a:rPr lang="zh-CN" altLang="en-US" smtClean="0"/>
-              <a:t>2011/7/26</a:t>
+              <a:t>2011/8/1</a:t>
             </a:fld>
             <a:endParaRPr lang="zh-CN" altLang="en-US"/>
           </a:p>
@@ -14372,7 +15983,7 @@
           <a:p>
             <a:fld id="{530820CF-B880-4189-942D-D702A7CBA730}" type="datetimeFigureOut">
               <a:rPr lang="zh-CN" altLang="en-US" smtClean="0"/>
-              <a:t>2011/7/26</a:t>
+              <a:t>2011/8/1</a:t>
             </a:fld>
             <a:endParaRPr lang="zh-CN" altLang="en-US"/>
           </a:p>
@@ -14809,7 +16420,7 @@
           <a:p>
             <a:fld id="{530820CF-B880-4189-942D-D702A7CBA730}" type="datetimeFigureOut">
               <a:rPr lang="zh-CN" altLang="en-US" smtClean="0"/>
-              <a:t>2011/7/26</a:t>
+              <a:t>2011/8/1</a:t>
             </a:fld>
             <a:endParaRPr lang="zh-CN" altLang="en-US"/>
           </a:p>
@@ -19678,7 +21289,7 @@
           <a:p>
             <a:r>
               <a:rPr lang="zh-CN" altLang="en-US" dirty="0" smtClean="0"/>
-              <a:t>目录</a:t>
+              <a:t>回顾</a:t>
             </a:r>
             <a:endParaRPr lang="zh-CN" altLang="en-US" dirty="0"/>
           </a:p>
@@ -19686,7 +21297,7 @@
       </p:sp>
       <p:sp>
         <p:nvSpPr>
-          <p:cNvPr id="5" name="内容占位符 4"/>
+          <p:cNvPr id="3" name="内容占位符 2"/>
           <p:cNvSpPr>
             <a:spLocks noGrp="1"/>
           </p:cNvSpPr>
@@ -19696,102 +21307,41 @@
         </p:nvSpPr>
         <p:spPr/>
         <p:txBody>
-          <a:bodyPr>
-            <a:normAutofit fontScale="92500"/>
-          </a:bodyPr>
+          <a:bodyPr/>
           <a:lstStyle/>
           <a:p>
             <a:r>
+              <a:rPr lang="zh-CN" altLang="en-US" dirty="0" smtClean="0"/>
+              <a:t>项目的特征是什么？</a:t>
+            </a:r>
+            <a:endParaRPr lang="en-US" altLang="zh-CN" dirty="0" smtClean="0"/>
+          </a:p>
+          <a:p>
+            <a:r>
+              <a:rPr lang="zh-CN" altLang="en-US" dirty="0" smtClean="0"/>
+              <a:t>项目管理三角形是什么？</a:t>
+            </a:r>
+            <a:endParaRPr lang="en-US" altLang="zh-CN" dirty="0" smtClean="0"/>
+          </a:p>
+          <a:p>
+            <a:r>
+              <a:rPr lang="zh-CN" altLang="en-US" dirty="0" smtClean="0"/>
+              <a:t>项目管理指南的基本原则有哪些？</a:t>
+            </a:r>
+            <a:endParaRPr lang="en-US" altLang="zh-CN" dirty="0" smtClean="0"/>
+          </a:p>
+          <a:p>
+            <a:r>
               <a:rPr lang="zh-CN" altLang="en-US" dirty="0"/>
-              <a:t>产品</a:t>
-            </a:r>
-            <a:r>
-              <a:rPr lang="en-US" altLang="zh-CN" dirty="0"/>
-              <a:t>/</a:t>
-            </a:r>
-            <a:r>
-              <a:rPr lang="zh-CN" altLang="en-US" dirty="0"/>
-              <a:t>执行团队模</a:t>
-            </a:r>
-            <a:r>
-              <a:rPr lang="zh-CN" altLang="en-US" dirty="0" smtClean="0"/>
-              <a:t>型</a:t>
-            </a:r>
-            <a:endParaRPr lang="en-US" altLang="zh-CN" dirty="0" smtClean="0"/>
-          </a:p>
-          <a:p>
-            <a:pPr lvl="1"/>
-            <a:r>
-              <a:rPr lang="zh-CN" altLang="en-US" dirty="0"/>
-              <a:t>团队模</a:t>
-            </a:r>
-            <a:r>
-              <a:rPr lang="zh-CN" altLang="en-US" dirty="0" smtClean="0"/>
-              <a:t>型</a:t>
-            </a:r>
-            <a:endParaRPr lang="en-US" altLang="zh-CN" dirty="0" smtClean="0"/>
-          </a:p>
-          <a:p>
-            <a:pPr lvl="1"/>
-            <a:r>
-              <a:rPr lang="zh-CN" altLang="en-US" dirty="0"/>
-              <a:t>功能小组模</a:t>
-            </a:r>
-            <a:r>
-              <a:rPr lang="zh-CN" altLang="en-US" dirty="0" smtClean="0"/>
-              <a:t>型</a:t>
-            </a:r>
-            <a:endParaRPr lang="en-US" altLang="zh-CN" dirty="0" smtClean="0"/>
-          </a:p>
-          <a:p>
-            <a:pPr lvl="1"/>
-            <a:r>
-              <a:rPr lang="zh-CN" altLang="en-US" dirty="0"/>
-              <a:t>团队模型最佳实践</a:t>
-            </a:r>
-            <a:endParaRPr lang="en-US" altLang="zh-CN" dirty="0" smtClean="0"/>
-          </a:p>
-          <a:p>
-            <a:r>
-              <a:rPr lang="zh-CN" altLang="en-US" dirty="0" smtClean="0"/>
-              <a:t>宏</a:t>
-            </a:r>
-            <a:r>
-              <a:rPr lang="zh-CN" altLang="en-US" dirty="0"/>
-              <a:t>观</a:t>
-            </a:r>
-            <a:r>
-              <a:rPr lang="zh-CN" altLang="en-US" dirty="0" smtClean="0"/>
-              <a:t>项目团队模型</a:t>
-            </a:r>
-            <a:endParaRPr lang="en-US" altLang="zh-CN" dirty="0" smtClean="0"/>
-          </a:p>
-          <a:p>
-            <a:pPr lvl="1"/>
-            <a:r>
-              <a:rPr lang="zh-CN" altLang="en-US" dirty="0" smtClean="0"/>
-              <a:t>宏观团队模型</a:t>
-            </a:r>
-            <a:endParaRPr lang="en-US" altLang="zh-CN" dirty="0" smtClean="0"/>
-          </a:p>
-          <a:p>
-            <a:pPr lvl="1"/>
-            <a:r>
-              <a:rPr lang="zh-CN" altLang="en-US" dirty="0" smtClean="0"/>
-              <a:t>变</a:t>
-            </a:r>
-            <a:r>
-              <a:rPr lang="zh-CN" altLang="en-US" dirty="0"/>
-              <a:t>更控制流程</a:t>
-            </a:r>
-            <a:endParaRPr lang="en-US" altLang="zh-CN" dirty="0" smtClean="0"/>
+              <a:t>程序管理与项目经理的区别</a:t>
+            </a:r>
           </a:p>
         </p:txBody>
       </p:sp>
     </p:spTree>
     <p:extLst>
       <p:ext uri="{BB962C8B-B14F-4D97-AF65-F5344CB8AC3E}">
-        <p14:creationId xmlns:p14="http://schemas.microsoft.com/office/powerpoint/2010/main" val="2071636049"/>
+        <p14:creationId xmlns:p14="http://schemas.microsoft.com/office/powerpoint/2010/main" val="2208698299"/>
       </p:ext>
     </p:extLst>
   </p:cSld>
@@ -19801,9 +21351,279 @@
   <p:timing>
     <p:tnLst>
       <p:par>
-        <p:cTn id="1" dur="indefinite" restart="never" nodeType="tmRoot"/>
+        <p:cTn id="1" dur="indefinite" restart="never" nodeType="tmRoot">
+          <p:childTnLst>
+            <p:seq concurrent="1" nextAc="seek">
+              <p:cTn id="2" dur="indefinite" nodeType="mainSeq">
+                <p:childTnLst>
+                  <p:par>
+                    <p:cTn id="3" fill="hold">
+                      <p:stCondLst>
+                        <p:cond delay="indefinite"/>
+                      </p:stCondLst>
+                      <p:childTnLst>
+                        <p:par>
+                          <p:cTn id="4" fill="hold">
+                            <p:stCondLst>
+                              <p:cond delay="0"/>
+                            </p:stCondLst>
+                            <p:childTnLst>
+                              <p:par>
+                                <p:cTn id="5" presetID="10" presetClass="entr" presetSubtype="0" fill="hold" grpId="0" nodeType="clickEffect">
+                                  <p:stCondLst>
+                                    <p:cond delay="0"/>
+                                  </p:stCondLst>
+                                  <p:childTnLst>
+                                    <p:set>
+                                      <p:cBhvr>
+                                        <p:cTn id="6" dur="1" fill="hold">
+                                          <p:stCondLst>
+                                            <p:cond delay="0"/>
+                                          </p:stCondLst>
+                                        </p:cTn>
+                                        <p:tgtEl>
+                                          <p:spTgt spid="3">
+                                            <p:txEl>
+                                              <p:pRg st="0" end="0"/>
+                                            </p:txEl>
+                                          </p:spTgt>
+                                        </p:tgtEl>
+                                        <p:attrNameLst>
+                                          <p:attrName>style.visibility</p:attrName>
+                                        </p:attrNameLst>
+                                      </p:cBhvr>
+                                      <p:to>
+                                        <p:strVal val="visible"/>
+                                      </p:to>
+                                    </p:set>
+                                    <p:animEffect transition="in" filter="fade">
+                                      <p:cBhvr>
+                                        <p:cTn id="7" dur="500"/>
+                                        <p:tgtEl>
+                                          <p:spTgt spid="3">
+                                            <p:txEl>
+                                              <p:pRg st="0" end="0"/>
+                                            </p:txEl>
+                                          </p:spTgt>
+                                        </p:tgtEl>
+                                      </p:cBhvr>
+                                    </p:animEffect>
+                                  </p:childTnLst>
+                                </p:cTn>
+                              </p:par>
+                            </p:childTnLst>
+                          </p:cTn>
+                        </p:par>
+                      </p:childTnLst>
+                    </p:cTn>
+                  </p:par>
+                  <p:par>
+                    <p:cTn id="8" fill="hold">
+                      <p:stCondLst>
+                        <p:cond delay="indefinite"/>
+                      </p:stCondLst>
+                      <p:childTnLst>
+                        <p:par>
+                          <p:cTn id="9" fill="hold">
+                            <p:stCondLst>
+                              <p:cond delay="0"/>
+                            </p:stCondLst>
+                            <p:childTnLst>
+                              <p:par>
+                                <p:cTn id="10" presetID="10" presetClass="entr" presetSubtype="0" fill="hold" grpId="0" nodeType="clickEffect">
+                                  <p:stCondLst>
+                                    <p:cond delay="0"/>
+                                  </p:stCondLst>
+                                  <p:childTnLst>
+                                    <p:set>
+                                      <p:cBhvr>
+                                        <p:cTn id="11" dur="1" fill="hold">
+                                          <p:stCondLst>
+                                            <p:cond delay="0"/>
+                                          </p:stCondLst>
+                                        </p:cTn>
+                                        <p:tgtEl>
+                                          <p:spTgt spid="3">
+                                            <p:txEl>
+                                              <p:pRg st="1" end="1"/>
+                                            </p:txEl>
+                                          </p:spTgt>
+                                        </p:tgtEl>
+                                        <p:attrNameLst>
+                                          <p:attrName>style.visibility</p:attrName>
+                                        </p:attrNameLst>
+                                      </p:cBhvr>
+                                      <p:to>
+                                        <p:strVal val="visible"/>
+                                      </p:to>
+                                    </p:set>
+                                    <p:animEffect transition="in" filter="fade">
+                                      <p:cBhvr>
+                                        <p:cTn id="12" dur="500"/>
+                                        <p:tgtEl>
+                                          <p:spTgt spid="3">
+                                            <p:txEl>
+                                              <p:pRg st="1" end="1"/>
+                                            </p:txEl>
+                                          </p:spTgt>
+                                        </p:tgtEl>
+                                      </p:cBhvr>
+                                    </p:animEffect>
+                                  </p:childTnLst>
+                                </p:cTn>
+                              </p:par>
+                            </p:childTnLst>
+                          </p:cTn>
+                        </p:par>
+                      </p:childTnLst>
+                    </p:cTn>
+                  </p:par>
+                  <p:par>
+                    <p:cTn id="13" fill="hold">
+                      <p:stCondLst>
+                        <p:cond delay="indefinite"/>
+                      </p:stCondLst>
+                      <p:childTnLst>
+                        <p:par>
+                          <p:cTn id="14" fill="hold">
+                            <p:stCondLst>
+                              <p:cond delay="0"/>
+                            </p:stCondLst>
+                            <p:childTnLst>
+                              <p:par>
+                                <p:cTn id="15" presetID="10" presetClass="entr" presetSubtype="0" fill="hold" grpId="0" nodeType="clickEffect">
+                                  <p:stCondLst>
+                                    <p:cond delay="0"/>
+                                  </p:stCondLst>
+                                  <p:childTnLst>
+                                    <p:set>
+                                      <p:cBhvr>
+                                        <p:cTn id="16" dur="1" fill="hold">
+                                          <p:stCondLst>
+                                            <p:cond delay="0"/>
+                                          </p:stCondLst>
+                                        </p:cTn>
+                                        <p:tgtEl>
+                                          <p:spTgt spid="3">
+                                            <p:txEl>
+                                              <p:pRg st="2" end="2"/>
+                                            </p:txEl>
+                                          </p:spTgt>
+                                        </p:tgtEl>
+                                        <p:attrNameLst>
+                                          <p:attrName>style.visibility</p:attrName>
+                                        </p:attrNameLst>
+                                      </p:cBhvr>
+                                      <p:to>
+                                        <p:strVal val="visible"/>
+                                      </p:to>
+                                    </p:set>
+                                    <p:animEffect transition="in" filter="fade">
+                                      <p:cBhvr>
+                                        <p:cTn id="17" dur="500"/>
+                                        <p:tgtEl>
+                                          <p:spTgt spid="3">
+                                            <p:txEl>
+                                              <p:pRg st="2" end="2"/>
+                                            </p:txEl>
+                                          </p:spTgt>
+                                        </p:tgtEl>
+                                      </p:cBhvr>
+                                    </p:animEffect>
+                                  </p:childTnLst>
+                                </p:cTn>
+                              </p:par>
+                            </p:childTnLst>
+                          </p:cTn>
+                        </p:par>
+                      </p:childTnLst>
+                    </p:cTn>
+                  </p:par>
+                  <p:par>
+                    <p:cTn id="18" fill="hold">
+                      <p:stCondLst>
+                        <p:cond delay="indefinite"/>
+                      </p:stCondLst>
+                      <p:childTnLst>
+                        <p:par>
+                          <p:cTn id="19" fill="hold">
+                            <p:stCondLst>
+                              <p:cond delay="0"/>
+                            </p:stCondLst>
+                            <p:childTnLst>
+                              <p:par>
+                                <p:cTn id="20" presetID="10" presetClass="entr" presetSubtype="0" fill="hold" grpId="0" nodeType="clickEffect">
+                                  <p:stCondLst>
+                                    <p:cond delay="0"/>
+                                  </p:stCondLst>
+                                  <p:childTnLst>
+                                    <p:set>
+                                      <p:cBhvr>
+                                        <p:cTn id="21" dur="1" fill="hold">
+                                          <p:stCondLst>
+                                            <p:cond delay="0"/>
+                                          </p:stCondLst>
+                                        </p:cTn>
+                                        <p:tgtEl>
+                                          <p:spTgt spid="3">
+                                            <p:txEl>
+                                              <p:pRg st="3" end="3"/>
+                                            </p:txEl>
+                                          </p:spTgt>
+                                        </p:tgtEl>
+                                        <p:attrNameLst>
+                                          <p:attrName>style.visibility</p:attrName>
+                                        </p:attrNameLst>
+                                      </p:cBhvr>
+                                      <p:to>
+                                        <p:strVal val="visible"/>
+                                      </p:to>
+                                    </p:set>
+                                    <p:animEffect transition="in" filter="fade">
+                                      <p:cBhvr>
+                                        <p:cTn id="22" dur="500"/>
+                                        <p:tgtEl>
+                                          <p:spTgt spid="3">
+                                            <p:txEl>
+                                              <p:pRg st="3" end="3"/>
+                                            </p:txEl>
+                                          </p:spTgt>
+                                        </p:tgtEl>
+                                      </p:cBhvr>
+                                    </p:animEffect>
+                                  </p:childTnLst>
+                                </p:cTn>
+                              </p:par>
+                            </p:childTnLst>
+                          </p:cTn>
+                        </p:par>
+                      </p:childTnLst>
+                    </p:cTn>
+                  </p:par>
+                </p:childTnLst>
+              </p:cTn>
+              <p:prevCondLst>
+                <p:cond evt="onPrev" delay="0">
+                  <p:tgtEl>
+                    <p:sldTgt/>
+                  </p:tgtEl>
+                </p:cond>
+              </p:prevCondLst>
+              <p:nextCondLst>
+                <p:cond evt="onNext" delay="0">
+                  <p:tgtEl>
+                    <p:sldTgt/>
+                  </p:tgtEl>
+                </p:cond>
+              </p:nextCondLst>
+            </p:seq>
+          </p:childTnLst>
+        </p:cTn>
       </p:par>
     </p:tnLst>
+    <p:bldLst>
+      <p:bldP spid="3" grpId="0" uiExpand="1" build="p"/>
+    </p:bldLst>
   </p:timing>
 </p:sld>
 </file>
@@ -23295,7 +25115,31 @@
                   <a:srgbClr val="FF0000"/>
                 </a:solidFill>
               </a:rPr>
-              <a:t>第一节 团队模型</a:t>
+              <a:t>第</a:t>
+            </a:r>
+            <a:r>
+              <a:rPr lang="zh-CN" altLang="en-US" dirty="0">
+                <a:solidFill>
+                  <a:srgbClr val="FF0000"/>
+                </a:solidFill>
+              </a:rPr>
+              <a:t>三</a:t>
+            </a:r>
+            <a:r>
+              <a:rPr lang="zh-CN" altLang="en-US" dirty="0" smtClean="0">
+                <a:solidFill>
+                  <a:srgbClr val="FF0000"/>
+                </a:solidFill>
+              </a:rPr>
+              <a:t>节 </a:t>
+            </a:r>
+            <a:r>
+              <a:rPr lang="zh-CN" altLang="en-US" dirty="0" smtClean="0">
+                <a:solidFill>
+                  <a:srgbClr val="FF0000"/>
+                </a:solidFill>
+              </a:rPr>
+              <a:t>团队模型</a:t>
             </a:r>
             <a:r>
               <a:rPr lang="en-US" altLang="zh-CN" dirty="0" smtClean="0">
@@ -23460,27 +25304,122 @@
           <a:bodyPr/>
           <a:lstStyle/>
           <a:p>
-            <a:pPr algn="r"/>
-            <a:r>
-              <a:rPr lang="zh-CN" altLang="en-US" dirty="0" smtClean="0">
-                <a:solidFill>
-                  <a:srgbClr val="FF0000"/>
-                </a:solidFill>
-              </a:rPr>
-              <a:t>第一节 团队模型</a:t>
-            </a:r>
-            <a:endParaRPr lang="zh-CN" altLang="en-US" dirty="0">
-              <a:solidFill>
-                <a:srgbClr val="FF0000"/>
-              </a:solidFill>
-            </a:endParaRPr>
+            <a:r>
+              <a:rPr lang="zh-CN" altLang="en-US" dirty="0" smtClean="0"/>
+              <a:t>目录</a:t>
+            </a:r>
+            <a:endParaRPr lang="zh-CN" altLang="en-US" dirty="0"/>
+          </a:p>
+        </p:txBody>
+      </p:sp>
+      <p:sp>
+        <p:nvSpPr>
+          <p:cNvPr id="5" name="内容占位符 4"/>
+          <p:cNvSpPr>
+            <a:spLocks noGrp="1"/>
+          </p:cNvSpPr>
+          <p:nvPr>
+            <p:ph idx="1"/>
+          </p:nvPr>
+        </p:nvSpPr>
+        <p:spPr/>
+        <p:txBody>
+          <a:bodyPr>
+            <a:normAutofit fontScale="92500"/>
+          </a:bodyPr>
+          <a:lstStyle/>
+          <a:p>
+            <a:r>
+              <a:rPr lang="zh-CN" altLang="en-US" dirty="0"/>
+              <a:t>产品</a:t>
+            </a:r>
+            <a:r>
+              <a:rPr lang="en-US" altLang="zh-CN" dirty="0"/>
+              <a:t>/</a:t>
+            </a:r>
+            <a:r>
+              <a:rPr lang="zh-CN" altLang="en-US" dirty="0"/>
+              <a:t>执行团队模</a:t>
+            </a:r>
+            <a:r>
+              <a:rPr lang="zh-CN" altLang="en-US" dirty="0" smtClean="0"/>
+              <a:t>型</a:t>
+            </a:r>
+            <a:endParaRPr lang="en-US" altLang="zh-CN" dirty="0" smtClean="0"/>
+          </a:p>
+          <a:p>
+            <a:pPr lvl="1"/>
+            <a:r>
+              <a:rPr lang="zh-CN" altLang="en-US" dirty="0"/>
+              <a:t>团队模</a:t>
+            </a:r>
+            <a:r>
+              <a:rPr lang="zh-CN" altLang="en-US" dirty="0" smtClean="0"/>
+              <a:t>型</a:t>
+            </a:r>
+            <a:endParaRPr lang="en-US" altLang="zh-CN" dirty="0" smtClean="0"/>
+          </a:p>
+          <a:p>
+            <a:pPr lvl="1"/>
+            <a:r>
+              <a:rPr lang="zh-CN" altLang="en-US" dirty="0"/>
+              <a:t>功能小组模</a:t>
+            </a:r>
+            <a:r>
+              <a:rPr lang="zh-CN" altLang="en-US" dirty="0" smtClean="0"/>
+              <a:t>型</a:t>
+            </a:r>
+            <a:endParaRPr lang="en-US" altLang="zh-CN" dirty="0" smtClean="0"/>
+          </a:p>
+          <a:p>
+            <a:pPr lvl="1"/>
+            <a:r>
+              <a:rPr lang="zh-CN" altLang="en-US" dirty="0"/>
+              <a:t>团队模型最佳实践</a:t>
+            </a:r>
+            <a:endParaRPr lang="en-US" altLang="zh-CN" dirty="0" smtClean="0"/>
+          </a:p>
+          <a:p>
+            <a:r>
+              <a:rPr lang="zh-CN" altLang="en-US" dirty="0" smtClean="0"/>
+              <a:t>宏</a:t>
+            </a:r>
+            <a:r>
+              <a:rPr lang="zh-CN" altLang="en-US" dirty="0"/>
+              <a:t>观</a:t>
+            </a:r>
+            <a:r>
+              <a:rPr lang="zh-CN" altLang="en-US" dirty="0" smtClean="0"/>
+              <a:t>项目团队模型</a:t>
+            </a:r>
+            <a:endParaRPr lang="en-US" altLang="zh-CN" dirty="0" smtClean="0"/>
+          </a:p>
+          <a:p>
+            <a:pPr lvl="1"/>
+            <a:r>
+              <a:rPr lang="zh-CN" altLang="en-US" dirty="0" smtClean="0"/>
+              <a:t>宏观团队模型</a:t>
+            </a:r>
+            <a:endParaRPr lang="en-US" altLang="zh-CN" dirty="0" smtClean="0"/>
+          </a:p>
+          <a:p>
+            <a:pPr lvl="1"/>
+            <a:r>
+              <a:rPr lang="zh-CN" altLang="en-US" dirty="0" smtClean="0"/>
+              <a:t>变</a:t>
+            </a:r>
+            <a:r>
+              <a:rPr lang="zh-CN" altLang="en-US" dirty="0"/>
+              <a:t>更控制流程</a:t>
+            </a:r>
+            <a:endParaRPr lang="en-US" altLang="zh-CN" dirty="0" smtClean="0"/>
           </a:p>
         </p:txBody>
       </p:sp>
     </p:spTree>
     <p:extLst>
       <p:ext uri="{BB962C8B-B14F-4D97-AF65-F5344CB8AC3E}">
-        <p14:creationId xmlns:p14="http://schemas.microsoft.com/office/powerpoint/2010/main" val="3905206157"/>
+        <p14:creationId xmlns:p14="http://schemas.microsoft.com/office/powerpoint/2010/main" val="2071636049"/>
       </p:ext>
     </p:extLst>
   </p:cSld>
@@ -23708,7 +25647,15 @@
                   <a:srgbClr val="FF0000"/>
                 </a:solidFill>
               </a:rPr>
-              <a:t>第一节 团队模型 </a:t>
+              <a:t>第四节 </a:t>
+            </a:r>
+            <a:r>
+              <a:rPr lang="zh-CN" altLang="en-US" dirty="0" smtClean="0">
+                <a:solidFill>
+                  <a:srgbClr val="FF0000"/>
+                </a:solidFill>
+              </a:rPr>
+              <a:t>团队模型 </a:t>
             </a:r>
             <a:r>
               <a:rPr lang="en-US" altLang="zh-CN" dirty="0" smtClean="0">
@@ -23975,7 +25922,38 @@
                   <a:srgbClr val="FF0000"/>
                 </a:solidFill>
               </a:rPr>
-              <a:t>第二节 宏观团队模型</a:t>
+              <a:t>第五节 </a:t>
+            </a:r>
+            <a:r>
+              <a:rPr lang="zh-CN" altLang="en-US" dirty="0" smtClean="0">
+                <a:solidFill>
+                  <a:srgbClr val="FF0000"/>
+                </a:solidFill>
+              </a:rPr>
+              <a:t>宏观团队模型</a:t>
+            </a:r>
+            <a:r>
+              <a:rPr lang="en-US" altLang="zh-CN" dirty="0" smtClean="0">
+                <a:solidFill>
+                  <a:srgbClr val="FF0000"/>
+                </a:solidFill>
+              </a:rPr>
+              <a:t/>
+            </a:r>
+            <a:br>
+              <a:rPr lang="en-US" altLang="zh-CN" dirty="0" smtClean="0">
+                <a:solidFill>
+                  <a:srgbClr val="FF0000"/>
+                </a:solidFill>
+              </a:rPr>
+            </a:br>
+            <a:r>
+              <a:rPr lang="zh-CN" altLang="en-US" dirty="0" smtClean="0">
+                <a:solidFill>
+                  <a:srgbClr val="FF0000"/>
+                </a:solidFill>
+              </a:rPr>
+              <a:t>概述</a:t>
             </a:r>
             <a:endParaRPr lang="zh-CN" altLang="en-US" dirty="0">
               <a:solidFill>
@@ -23988,7 +25966,7 @@
     </p:spTree>
     <p:extLst>
       <p:ext uri="{BB962C8B-B14F-4D97-AF65-F5344CB8AC3E}">
-        <p14:creationId xmlns:p14="http://schemas.microsoft.com/office/powerpoint/2010/main" val="3297094607"/>
+        <p14:creationId xmlns:p14="http://schemas.microsoft.com/office/powerpoint/2010/main" val="1077026556"/>
       </p:ext>
     </p:extLst>
   </p:cSld>
@@ -24037,50 +26015,47 @@
           <a:bodyPr/>
           <a:lstStyle/>
           <a:p>
-            <a:pPr algn="r"/>
-            <a:r>
-              <a:rPr lang="zh-CN" altLang="en-US" dirty="0" smtClean="0">
-                <a:solidFill>
-                  <a:srgbClr val="FF0000"/>
-                </a:solidFill>
-              </a:rPr>
-              <a:t>第二节 宏观团队模型</a:t>
-            </a:r>
-            <a:r>
-              <a:rPr lang="en-US" altLang="zh-CN" dirty="0" smtClean="0">
-                <a:solidFill>
-                  <a:srgbClr val="FF0000"/>
-                </a:solidFill>
-              </a:rPr>
-              <a:t/>
-            </a:r>
-            <a:br>
-              <a:rPr lang="en-US" altLang="zh-CN" dirty="0" smtClean="0">
-                <a:solidFill>
-                  <a:srgbClr val="FF0000"/>
-                </a:solidFill>
-              </a:rPr>
-            </a:br>
-            <a:r>
-              <a:rPr lang="zh-CN" altLang="en-US" dirty="0" smtClean="0">
-                <a:solidFill>
-                  <a:srgbClr val="FF0000"/>
-                </a:solidFill>
-              </a:rPr>
-              <a:t>概述</a:t>
-            </a:r>
-            <a:endParaRPr lang="zh-CN" altLang="en-US" dirty="0">
-              <a:solidFill>
-                <a:srgbClr val="FF0000"/>
-              </a:solidFill>
-            </a:endParaRPr>
+            <a:r>
+              <a:rPr lang="zh-CN" altLang="en-US" dirty="0"/>
+              <a:t>宏观</a:t>
+            </a:r>
+            <a:r>
+              <a:rPr lang="zh-CN" altLang="en-US" dirty="0" smtClean="0"/>
+              <a:t>项目团队模型</a:t>
+            </a:r>
+            <a:endParaRPr lang="zh-CN" altLang="en-US" dirty="0"/>
           </a:p>
         </p:txBody>
       </p:sp>
+      <p:graphicFrame>
+        <p:nvGraphicFramePr>
+          <p:cNvPr id="4" name="内容占位符 3"/>
+          <p:cNvGraphicFramePr>
+            <a:graphicFrameLocks noGrp="1"/>
+          </p:cNvGraphicFramePr>
+          <p:nvPr>
+            <p:ph idx="1"/>
+            <p:extLst>
+              <p:ext uri="{D42A27DB-BD31-4B8C-83A1-F6EECF244321}">
+                <p14:modId xmlns:p14="http://schemas.microsoft.com/office/powerpoint/2010/main" val="1750673568"/>
+              </p:ext>
+            </p:extLst>
+          </p:nvPr>
+        </p:nvGraphicFramePr>
+        <p:xfrm>
+          <a:off x="457200" y="1600200"/>
+          <a:ext cx="8229600" cy="4525963"/>
+        </p:xfrm>
+        <a:graphic>
+          <a:graphicData uri="http://schemas.openxmlformats.org/drawingml/2006/diagram">
+            <dgm:relIds xmlns:dgm="http://schemas.openxmlformats.org/drawingml/2006/diagram" xmlns:r="http://schemas.openxmlformats.org/officeDocument/2006/relationships" r:dm="rId2" r:lo="rId3" r:qs="rId4" r:cs="rId5"/>
+          </a:graphicData>
+        </a:graphic>
+      </p:graphicFrame>
     </p:spTree>
     <p:extLst>
       <p:ext uri="{BB962C8B-B14F-4D97-AF65-F5344CB8AC3E}">
-        <p14:creationId xmlns:p14="http://schemas.microsoft.com/office/powerpoint/2010/main" val="1077026556"/>
+        <p14:creationId xmlns:p14="http://schemas.microsoft.com/office/powerpoint/2010/main" val="2055711964"/>
       </p:ext>
     </p:extLst>
   </p:cSld>
@@ -24130,12 +26105,12 @@
           <a:lstStyle/>
           <a:p>
             <a:r>
-              <a:rPr lang="zh-CN" altLang="en-US" dirty="0"/>
-              <a:t>宏观</a:t>
-            </a:r>
-            <a:r>
               <a:rPr lang="zh-CN" altLang="en-US" dirty="0" smtClean="0"/>
-              <a:t>项目团队模型</a:t>
+              <a:t>变更控制委员会</a:t>
+            </a:r>
+            <a:r>
+              <a:rPr lang="en-US" altLang="zh-CN" dirty="0" smtClean="0"/>
+              <a:t>(CCB)</a:t>
             </a:r>
             <a:endParaRPr lang="zh-CN" altLang="en-US" dirty="0"/>
           </a:p>
@@ -24151,7 +26126,7 @@
             <p:ph idx="1"/>
             <p:extLst>
               <p:ext uri="{D42A27DB-BD31-4B8C-83A1-F6EECF244321}">
-                <p14:modId xmlns:p14="http://schemas.microsoft.com/office/powerpoint/2010/main" val="1750673568"/>
+                <p14:modId xmlns:p14="http://schemas.microsoft.com/office/powerpoint/2010/main" val="2639819085"/>
               </p:ext>
             </p:extLst>
           </p:nvPr>
@@ -24169,7 +26144,7 @@
     </p:spTree>
     <p:extLst>
       <p:ext uri="{BB962C8B-B14F-4D97-AF65-F5344CB8AC3E}">
-        <p14:creationId xmlns:p14="http://schemas.microsoft.com/office/powerpoint/2010/main" val="2055711964"/>
+        <p14:creationId xmlns:p14="http://schemas.microsoft.com/office/powerpoint/2010/main" val="644637859"/>
       </p:ext>
     </p:extLst>
   </p:cSld>
@@ -24218,95 +26193,6 @@
           <a:bodyPr/>
           <a:lstStyle/>
           <a:p>
-            <a:r>
-              <a:rPr lang="zh-CN" altLang="en-US" dirty="0" smtClean="0"/>
-              <a:t>变更控制委员会</a:t>
-            </a:r>
-            <a:r>
-              <a:rPr lang="en-US" altLang="zh-CN" dirty="0" smtClean="0"/>
-              <a:t>(CCB)</a:t>
-            </a:r>
-            <a:endParaRPr lang="zh-CN" altLang="en-US" dirty="0"/>
-          </a:p>
-        </p:txBody>
-      </p:sp>
-      <p:graphicFrame>
-        <p:nvGraphicFramePr>
-          <p:cNvPr id="4" name="内容占位符 3"/>
-          <p:cNvGraphicFramePr>
-            <a:graphicFrameLocks noGrp="1"/>
-          </p:cNvGraphicFramePr>
-          <p:nvPr>
-            <p:ph idx="1"/>
-            <p:extLst>
-              <p:ext uri="{D42A27DB-BD31-4B8C-83A1-F6EECF244321}">
-                <p14:modId xmlns:p14="http://schemas.microsoft.com/office/powerpoint/2010/main" val="2639819085"/>
-              </p:ext>
-            </p:extLst>
-          </p:nvPr>
-        </p:nvGraphicFramePr>
-        <p:xfrm>
-          <a:off x="457200" y="1600200"/>
-          <a:ext cx="8229600" cy="4525963"/>
-        </p:xfrm>
-        <a:graphic>
-          <a:graphicData uri="http://schemas.openxmlformats.org/drawingml/2006/diagram">
-            <dgm:relIds xmlns:dgm="http://schemas.openxmlformats.org/drawingml/2006/diagram" xmlns:r="http://schemas.openxmlformats.org/officeDocument/2006/relationships" r:dm="rId2" r:lo="rId3" r:qs="rId4" r:cs="rId5"/>
-          </a:graphicData>
-        </a:graphic>
-      </p:graphicFrame>
-    </p:spTree>
-    <p:extLst>
-      <p:ext uri="{BB962C8B-B14F-4D97-AF65-F5344CB8AC3E}">
-        <p14:creationId xmlns:p14="http://schemas.microsoft.com/office/powerpoint/2010/main" val="644637859"/>
-      </p:ext>
-    </p:extLst>
-  </p:cSld>
-  <p:clrMapOvr>
-    <a:masterClrMapping/>
-  </p:clrMapOvr>
-  <p:timing>
-    <p:tnLst>
-      <p:par>
-        <p:cTn id="1" dur="indefinite" restart="never" nodeType="tmRoot"/>
-      </p:par>
-    </p:tnLst>
-  </p:timing>
-</p:sld>
-</file>
-
-<file path=ppt/slides/slide38.xml><?xml version="1.0" encoding="utf-8"?>
-<p:sld xmlns:a="http://schemas.openxmlformats.org/drawingml/2006/main" xmlns:r="http://schemas.openxmlformats.org/officeDocument/2006/relationships" xmlns:p="http://schemas.openxmlformats.org/presentationml/2006/main">
-  <p:cSld>
-    <p:spTree>
-      <p:nvGrpSpPr>
-        <p:cNvPr id="1" name=""/>
-        <p:cNvGrpSpPr/>
-        <p:nvPr/>
-      </p:nvGrpSpPr>
-      <p:grpSpPr>
-        <a:xfrm>
-          <a:off x="0" y="0"/>
-          <a:ext cx="0" cy="0"/>
-          <a:chOff x="0" y="0"/>
-          <a:chExt cx="0" cy="0"/>
-        </a:xfrm>
-      </p:grpSpPr>
-      <p:sp>
-        <p:nvSpPr>
-          <p:cNvPr id="2" name="标题 1"/>
-          <p:cNvSpPr>
-            <a:spLocks noGrp="1"/>
-          </p:cNvSpPr>
-          <p:nvPr>
-            <p:ph type="title"/>
-          </p:nvPr>
-        </p:nvSpPr>
-        <p:spPr/>
-        <p:txBody>
-          <a:bodyPr/>
-          <a:lstStyle/>
-          <a:p>
             <a:pPr algn="r"/>
             <a:r>
               <a:rPr lang="zh-CN" altLang="en-US" dirty="0" smtClean="0">
@@ -24314,7 +26200,15 @@
                   <a:srgbClr val="FF0000"/>
                 </a:solidFill>
               </a:rPr>
-              <a:t>第二节 宏观团队模型</a:t>
+              <a:t>第五节 </a:t>
+            </a:r>
+            <a:r>
+              <a:rPr lang="zh-CN" altLang="en-US" dirty="0" smtClean="0">
+                <a:solidFill>
+                  <a:srgbClr val="FF0000"/>
+                </a:solidFill>
+              </a:rPr>
+              <a:t>宏观团队模型</a:t>
             </a:r>
             <a:r>
               <a:rPr lang="en-US" altLang="zh-CN" dirty="0" smtClean="0">
@@ -24362,7 +26256,7 @@
 </p:sld>
 </file>
 
-<file path=ppt/slides/slide39.xml><?xml version="1.0" encoding="utf-8"?>
+<file path=ppt/slides/slide38.xml><?xml version="1.0" encoding="utf-8"?>
 <p:sld xmlns:a="http://schemas.openxmlformats.org/drawingml/2006/main" xmlns:r="http://schemas.openxmlformats.org/officeDocument/2006/relationships" xmlns:p="http://schemas.openxmlformats.org/presentationml/2006/main">
   <p:cSld>
     <p:spTree>
@@ -24461,6 +26355,170 @@
 </p:sld>
 </file>
 
+<file path=ppt/slides/slide39.xml><?xml version="1.0" encoding="utf-8"?>
+<p:sld xmlns:a="http://schemas.openxmlformats.org/drawingml/2006/main" xmlns:r="http://schemas.openxmlformats.org/officeDocument/2006/relationships" xmlns:p="http://schemas.openxmlformats.org/presentationml/2006/main">
+  <p:cSld>
+    <p:spTree>
+      <p:nvGrpSpPr>
+        <p:cNvPr id="1" name=""/>
+        <p:cNvGrpSpPr/>
+        <p:nvPr/>
+      </p:nvGrpSpPr>
+      <p:grpSpPr>
+        <a:xfrm>
+          <a:off x="0" y="0"/>
+          <a:ext cx="0" cy="0"/>
+          <a:chOff x="0" y="0"/>
+          <a:chExt cx="0" cy="0"/>
+        </a:xfrm>
+      </p:grpSpPr>
+      <p:sp>
+        <p:nvSpPr>
+          <p:cNvPr id="2" name="标题 1"/>
+          <p:cNvSpPr>
+            <a:spLocks noGrp="1"/>
+          </p:cNvSpPr>
+          <p:nvPr>
+            <p:ph type="title"/>
+          </p:nvPr>
+        </p:nvSpPr>
+        <p:spPr/>
+        <p:txBody>
+          <a:bodyPr/>
+          <a:lstStyle/>
+          <a:p>
+            <a:r>
+              <a:rPr lang="zh-CN" altLang="en-US" dirty="0" smtClean="0"/>
+              <a:t>目录</a:t>
+            </a:r>
+            <a:endParaRPr lang="zh-CN" altLang="en-US" dirty="0"/>
+          </a:p>
+        </p:txBody>
+      </p:sp>
+      <p:sp>
+        <p:nvSpPr>
+          <p:cNvPr id="5" name="内容占位符 4"/>
+          <p:cNvSpPr>
+            <a:spLocks noGrp="1"/>
+          </p:cNvSpPr>
+          <p:nvPr>
+            <p:ph idx="1"/>
+          </p:nvPr>
+        </p:nvSpPr>
+        <p:spPr/>
+        <p:txBody>
+          <a:bodyPr>
+            <a:normAutofit fontScale="92500"/>
+          </a:bodyPr>
+          <a:lstStyle/>
+          <a:p>
+            <a:r>
+              <a:rPr lang="zh-CN" altLang="en-US" dirty="0"/>
+              <a:t>产品</a:t>
+            </a:r>
+            <a:r>
+              <a:rPr lang="en-US" altLang="zh-CN" dirty="0"/>
+              <a:t>/</a:t>
+            </a:r>
+            <a:r>
+              <a:rPr lang="zh-CN" altLang="en-US" dirty="0"/>
+              <a:t>执行团队模</a:t>
+            </a:r>
+            <a:r>
+              <a:rPr lang="zh-CN" altLang="en-US" dirty="0" smtClean="0"/>
+              <a:t>型</a:t>
+            </a:r>
+            <a:endParaRPr lang="en-US" altLang="zh-CN" dirty="0" smtClean="0"/>
+          </a:p>
+          <a:p>
+            <a:pPr lvl="1"/>
+            <a:r>
+              <a:rPr lang="zh-CN" altLang="en-US" dirty="0"/>
+              <a:t>团队模</a:t>
+            </a:r>
+            <a:r>
+              <a:rPr lang="zh-CN" altLang="en-US" dirty="0" smtClean="0"/>
+              <a:t>型</a:t>
+            </a:r>
+            <a:endParaRPr lang="en-US" altLang="zh-CN" dirty="0" smtClean="0"/>
+          </a:p>
+          <a:p>
+            <a:pPr lvl="1"/>
+            <a:r>
+              <a:rPr lang="zh-CN" altLang="en-US" dirty="0" smtClean="0"/>
+              <a:t>缩放模型</a:t>
+            </a:r>
+            <a:endParaRPr lang="en-US" altLang="zh-CN" smtClean="0"/>
+          </a:p>
+          <a:p>
+            <a:pPr lvl="1"/>
+            <a:r>
+              <a:rPr lang="zh-CN" altLang="en-US" smtClean="0"/>
+              <a:t>团</a:t>
+            </a:r>
+            <a:r>
+              <a:rPr lang="zh-CN" altLang="en-US" dirty="0"/>
+              <a:t>队模型最佳实践</a:t>
+            </a:r>
+            <a:endParaRPr lang="en-US" altLang="zh-CN" dirty="0" smtClean="0"/>
+          </a:p>
+          <a:p>
+            <a:r>
+              <a:rPr lang="zh-CN" altLang="en-US" dirty="0" smtClean="0"/>
+              <a:t>宏</a:t>
+            </a:r>
+            <a:r>
+              <a:rPr lang="zh-CN" altLang="en-US" dirty="0"/>
+              <a:t>观</a:t>
+            </a:r>
+            <a:r>
+              <a:rPr lang="zh-CN" altLang="en-US" dirty="0" smtClean="0"/>
+              <a:t>项目团队模型</a:t>
+            </a:r>
+            <a:endParaRPr lang="en-US" altLang="zh-CN" dirty="0" smtClean="0"/>
+          </a:p>
+          <a:p>
+            <a:pPr lvl="1"/>
+            <a:r>
+              <a:rPr lang="zh-CN" altLang="en-US" dirty="0" smtClean="0"/>
+              <a:t>宏观团队模型</a:t>
+            </a:r>
+            <a:endParaRPr lang="en-US" altLang="zh-CN" dirty="0" smtClean="0"/>
+          </a:p>
+          <a:p>
+            <a:pPr lvl="1"/>
+            <a:r>
+              <a:rPr lang="zh-CN" altLang="en-US" dirty="0" smtClean="0"/>
+              <a:t>变</a:t>
+            </a:r>
+            <a:r>
+              <a:rPr lang="zh-CN" altLang="en-US" dirty="0"/>
+              <a:t>更控制流程</a:t>
+            </a:r>
+            <a:endParaRPr lang="en-US" altLang="zh-CN" dirty="0" smtClean="0"/>
+          </a:p>
+        </p:txBody>
+      </p:sp>
+    </p:spTree>
+    <p:extLst>
+      <p:ext uri="{BB962C8B-B14F-4D97-AF65-F5344CB8AC3E}">
+        <p14:creationId xmlns:p14="http://schemas.microsoft.com/office/powerpoint/2010/main" val="2462426962"/>
+      </p:ext>
+    </p:extLst>
+  </p:cSld>
+  <p:clrMapOvr>
+    <a:masterClrMapping/>
+  </p:clrMapOvr>
+  <p:timing>
+    <p:tnLst>
+      <p:par>
+        <p:cTn id="1" dur="indefinite" restart="never" nodeType="tmRoot"/>
+      </p:par>
+    </p:tnLst>
+  </p:timing>
+</p:sld>
+</file>
+
 <file path=ppt/slides/slide4.xml><?xml version="1.0" encoding="utf-8"?>
 <p:sld xmlns:a="http://schemas.openxmlformats.org/drawingml/2006/main" xmlns:r="http://schemas.openxmlformats.org/officeDocument/2006/relationships" xmlns:p="http://schemas.openxmlformats.org/presentationml/2006/main">
   <p:cSld>
@@ -24556,170 +26614,6 @@
     <p:extLst>
       <p:ext uri="{BB962C8B-B14F-4D97-AF65-F5344CB8AC3E}">
         <p14:creationId xmlns:p14="http://schemas.microsoft.com/office/powerpoint/2010/main" val="935647062"/>
-      </p:ext>
-    </p:extLst>
-  </p:cSld>
-  <p:clrMapOvr>
-    <a:masterClrMapping/>
-  </p:clrMapOvr>
-  <p:timing>
-    <p:tnLst>
-      <p:par>
-        <p:cTn id="1" dur="indefinite" restart="never" nodeType="tmRoot"/>
-      </p:par>
-    </p:tnLst>
-  </p:timing>
-</p:sld>
-</file>
-
-<file path=ppt/slides/slide40.xml><?xml version="1.0" encoding="utf-8"?>
-<p:sld xmlns:a="http://schemas.openxmlformats.org/drawingml/2006/main" xmlns:r="http://schemas.openxmlformats.org/officeDocument/2006/relationships" xmlns:p="http://schemas.openxmlformats.org/presentationml/2006/main">
-  <p:cSld>
-    <p:spTree>
-      <p:nvGrpSpPr>
-        <p:cNvPr id="1" name=""/>
-        <p:cNvGrpSpPr/>
-        <p:nvPr/>
-      </p:nvGrpSpPr>
-      <p:grpSpPr>
-        <a:xfrm>
-          <a:off x="0" y="0"/>
-          <a:ext cx="0" cy="0"/>
-          <a:chOff x="0" y="0"/>
-          <a:chExt cx="0" cy="0"/>
-        </a:xfrm>
-      </p:grpSpPr>
-      <p:sp>
-        <p:nvSpPr>
-          <p:cNvPr id="2" name="标题 1"/>
-          <p:cNvSpPr>
-            <a:spLocks noGrp="1"/>
-          </p:cNvSpPr>
-          <p:nvPr>
-            <p:ph type="title"/>
-          </p:nvPr>
-        </p:nvSpPr>
-        <p:spPr/>
-        <p:txBody>
-          <a:bodyPr/>
-          <a:lstStyle/>
-          <a:p>
-            <a:r>
-              <a:rPr lang="zh-CN" altLang="en-US" dirty="0" smtClean="0"/>
-              <a:t>目录</a:t>
-            </a:r>
-            <a:endParaRPr lang="zh-CN" altLang="en-US" dirty="0"/>
-          </a:p>
-        </p:txBody>
-      </p:sp>
-      <p:sp>
-        <p:nvSpPr>
-          <p:cNvPr id="5" name="内容占位符 4"/>
-          <p:cNvSpPr>
-            <a:spLocks noGrp="1"/>
-          </p:cNvSpPr>
-          <p:nvPr>
-            <p:ph idx="1"/>
-          </p:nvPr>
-        </p:nvSpPr>
-        <p:spPr/>
-        <p:txBody>
-          <a:bodyPr>
-            <a:normAutofit fontScale="92500"/>
-          </a:bodyPr>
-          <a:lstStyle/>
-          <a:p>
-            <a:r>
-              <a:rPr lang="zh-CN" altLang="en-US" dirty="0"/>
-              <a:t>产品</a:t>
-            </a:r>
-            <a:r>
-              <a:rPr lang="en-US" altLang="zh-CN" dirty="0"/>
-              <a:t>/</a:t>
-            </a:r>
-            <a:r>
-              <a:rPr lang="zh-CN" altLang="en-US" dirty="0"/>
-              <a:t>执行团队模</a:t>
-            </a:r>
-            <a:r>
-              <a:rPr lang="zh-CN" altLang="en-US" dirty="0" smtClean="0"/>
-              <a:t>型</a:t>
-            </a:r>
-            <a:endParaRPr lang="en-US" altLang="zh-CN" dirty="0" smtClean="0"/>
-          </a:p>
-          <a:p>
-            <a:pPr lvl="1"/>
-            <a:r>
-              <a:rPr lang="zh-CN" altLang="en-US" dirty="0"/>
-              <a:t>团队模</a:t>
-            </a:r>
-            <a:r>
-              <a:rPr lang="zh-CN" altLang="en-US" dirty="0" smtClean="0"/>
-              <a:t>型</a:t>
-            </a:r>
-            <a:endParaRPr lang="en-US" altLang="zh-CN" dirty="0" smtClean="0"/>
-          </a:p>
-          <a:p>
-            <a:pPr lvl="1"/>
-            <a:r>
-              <a:rPr lang="zh-CN" altLang="en-US" dirty="0" smtClean="0"/>
-              <a:t>缩放模型</a:t>
-            </a:r>
-            <a:endParaRPr lang="en-US" altLang="zh-CN" smtClean="0"/>
-          </a:p>
-          <a:p>
-            <a:pPr lvl="1"/>
-            <a:r>
-              <a:rPr lang="zh-CN" altLang="en-US" smtClean="0"/>
-              <a:t>团</a:t>
-            </a:r>
-            <a:r>
-              <a:rPr lang="zh-CN" altLang="en-US" dirty="0"/>
-              <a:t>队模型最佳实践</a:t>
-            </a:r>
-            <a:endParaRPr lang="en-US" altLang="zh-CN" dirty="0" smtClean="0"/>
-          </a:p>
-          <a:p>
-            <a:r>
-              <a:rPr lang="zh-CN" altLang="en-US" dirty="0" smtClean="0"/>
-              <a:t>宏</a:t>
-            </a:r>
-            <a:r>
-              <a:rPr lang="zh-CN" altLang="en-US" dirty="0"/>
-              <a:t>观</a:t>
-            </a:r>
-            <a:r>
-              <a:rPr lang="zh-CN" altLang="en-US" dirty="0" smtClean="0"/>
-              <a:t>项目团队模型</a:t>
-            </a:r>
-            <a:endParaRPr lang="en-US" altLang="zh-CN" dirty="0" smtClean="0"/>
-          </a:p>
-          <a:p>
-            <a:pPr lvl="1"/>
-            <a:r>
-              <a:rPr lang="zh-CN" altLang="en-US" dirty="0" smtClean="0"/>
-              <a:t>宏观团队模型</a:t>
-            </a:r>
-            <a:endParaRPr lang="en-US" altLang="zh-CN" dirty="0" smtClean="0"/>
-          </a:p>
-          <a:p>
-            <a:pPr lvl="1"/>
-            <a:r>
-              <a:rPr lang="zh-CN" altLang="en-US" dirty="0" smtClean="0"/>
-              <a:t>变</a:t>
-            </a:r>
-            <a:r>
-              <a:rPr lang="zh-CN" altLang="en-US" dirty="0"/>
-              <a:t>更控制流程</a:t>
-            </a:r>
-            <a:endParaRPr lang="en-US" altLang="zh-CN" dirty="0" smtClean="0"/>
-          </a:p>
-        </p:txBody>
-      </p:sp>
-    </p:spTree>
-    <p:extLst>
-      <p:ext uri="{BB962C8B-B14F-4D97-AF65-F5344CB8AC3E}">
-        <p14:creationId xmlns:p14="http://schemas.microsoft.com/office/powerpoint/2010/main" val="2462426962"/>
       </p:ext>
     </p:extLst>
   </p:cSld>
@@ -25362,7 +27256,7 @@
           <a:graphicData uri="http://schemas.openxmlformats.org/presentationml/2006/ole">
             <mc:AlternateContent xmlns:mc="http://schemas.openxmlformats.org/markup-compatibility/2006">
               <mc:Choice xmlns:v="urn:schemas-microsoft-com:vml" Requires="v">
-                <p:oleObj spid="_x0000_s2052" name="Visio" r:id="rId3" imgW="6122234" imgH="6085914" progId="Visio.Drawing.11">
+                <p:oleObj spid="_x0000_s2058" name="Visio" r:id="rId3" imgW="6122234" imgH="6085914" progId="Visio.Drawing.11">
                   <p:embed/>
                 </p:oleObj>
               </mc:Choice>
@@ -25461,6 +27355,13 @@
   <p:clrMapOvr>
     <a:masterClrMapping/>
   </p:clrMapOvr>
+  <p:timing>
+    <p:tnLst>
+      <p:par>
+        <p:cTn id="1" dur="indefinite" restart="never" nodeType="tmRoot"/>
+      </p:par>
+    </p:tnLst>
+  </p:timing>
 </p:sld>
 </file>
 
@@ -25503,7 +27404,15 @@
                   <a:srgbClr val="FF0000"/>
                 </a:solidFill>
               </a:rPr>
-              <a:t>第一节 团队模型 </a:t>
+              <a:t>第二节 </a:t>
+            </a:r>
+            <a:r>
+              <a:rPr lang="zh-CN" altLang="en-US" dirty="0" smtClean="0">
+                <a:solidFill>
+                  <a:srgbClr val="FF0000"/>
+                </a:solidFill>
+              </a:rPr>
+              <a:t>团队模型 </a:t>
             </a:r>
             <a:r>
               <a:rPr lang="en-US" altLang="zh-CN" dirty="0" smtClean="0">
@@ -25619,7 +27528,39 @@
             <a:pPr lvl="1"/>
             <a:r>
               <a:rPr lang="zh-CN" altLang="en-US" dirty="0"/>
-              <a:t>在最合适的时候投放高质量的产品</a:t>
+              <a:t>在</a:t>
+            </a:r>
+            <a:r>
+              <a:rPr lang="zh-CN" altLang="en-US" dirty="0">
+                <a:solidFill>
+                  <a:srgbClr val="FF0000"/>
+                </a:solidFill>
+              </a:rPr>
+              <a:t>最合适</a:t>
+            </a:r>
+            <a:r>
+              <a:rPr lang="zh-CN" altLang="en-US" dirty="0"/>
+              <a:t>的时候投放</a:t>
+            </a:r>
+            <a:r>
+              <a:rPr lang="zh-CN" altLang="en-US" dirty="0">
+                <a:solidFill>
+                  <a:srgbClr val="FF0000"/>
+                </a:solidFill>
+              </a:rPr>
+              <a:t>高质量</a:t>
+            </a:r>
+            <a:r>
+              <a:rPr lang="zh-CN" altLang="en-US" dirty="0"/>
+              <a:t>的</a:t>
+            </a:r>
+            <a:r>
+              <a:rPr lang="zh-CN" altLang="en-US" dirty="0">
+                <a:solidFill>
+                  <a:srgbClr val="FF0000"/>
+                </a:solidFill>
+              </a:rPr>
+              <a:t>产品</a:t>
             </a:r>
           </a:p>
           <a:p>
